--- a/02.函数高级/01_原型与原型链/内存分析.pptx
+++ b/02.函数高级/01_原型与原型链/内存分析.pptx
@@ -5,11 +5,12 @@
     <p:sldMasterId id="2147483648" r:id="rId1"/>
   </p:sldMasterIdLst>
   <p:notesMasterIdLst>
-    <p:notesMasterId r:id="rId4"/>
+    <p:notesMasterId r:id="rId5"/>
   </p:notesMasterIdLst>
   <p:sldIdLst>
     <p:sldId id="256" r:id="rId2"/>
     <p:sldId id="257" r:id="rId3"/>
+    <p:sldId id="258" r:id="rId4"/>
   </p:sldIdLst>
   <p:sldSz cx="12192000" cy="6858000"/>
   <p:notesSz cx="6858000" cy="9144000"/>
@@ -6827,6 +6828,4410 @@
     <p:extLst>
       <p:ext uri="{BB962C8B-B14F-4D97-AF65-F5344CB8AC3E}">
         <p14:creationId xmlns:p14="http://schemas.microsoft.com/office/powerpoint/2010/main" val="2000490135"/>
+      </p:ext>
+    </p:extLst>
+  </p:cSld>
+  <p:clrMapOvr>
+    <a:masterClrMapping/>
+  </p:clrMapOvr>
+</p:sld>
+</file>
+
+<file path=ppt/slides/slide3.xml><?xml version="1.0" encoding="utf-8"?>
+<p:sld xmlns:a="http://schemas.openxmlformats.org/drawingml/2006/main" xmlns:r="http://schemas.openxmlformats.org/officeDocument/2006/relationships" xmlns:p="http://schemas.openxmlformats.org/presentationml/2006/main">
+  <p:cSld>
+    <p:spTree>
+      <p:nvGrpSpPr>
+        <p:cNvPr id="1" name=""/>
+        <p:cNvGrpSpPr/>
+        <p:nvPr/>
+      </p:nvGrpSpPr>
+      <p:grpSpPr>
+        <a:xfrm>
+          <a:off x="0" y="0"/>
+          <a:ext cx="0" cy="0"/>
+          <a:chOff x="0" y="0"/>
+          <a:chExt cx="0" cy="0"/>
+        </a:xfrm>
+      </p:grpSpPr>
+      <p:sp>
+        <p:nvSpPr>
+          <p:cNvPr id="4" name="Rectangle 1">
+            <a:extLst>
+              <a:ext uri="{FF2B5EF4-FFF2-40B4-BE49-F238E27FC236}">
+                <a16:creationId xmlns:a16="http://schemas.microsoft.com/office/drawing/2014/main" id="{A2735540-97C7-4531-85E9-1A6B6E98019C}"/>
+              </a:ext>
+            </a:extLst>
+          </p:cNvPr>
+          <p:cNvSpPr>
+            <a:spLocks noChangeArrowheads="1"/>
+          </p:cNvSpPr>
+          <p:nvPr/>
+        </p:nvSpPr>
+        <p:spPr bwMode="auto">
+          <a:xfrm>
+            <a:off x="98880" y="1089898"/>
+            <a:ext cx="3801639" cy="4678204"/>
+          </a:xfrm>
+          <a:prstGeom prst="rect">
+            <a:avLst/>
+          </a:prstGeom>
+          <a:solidFill>
+            <a:srgbClr val="FFFFFF"/>
+          </a:solidFill>
+          <a:ln>
+            <a:noFill/>
+          </a:ln>
+          <a:effectLst/>
+          <a:extLst>
+            <a:ext uri="{91240B29-F687-4F45-9708-019B960494DF}">
+              <a14:hiddenLine xmlns:a14="http://schemas.microsoft.com/office/drawing/2010/main" w="9525">
+                <a:solidFill>
+                  <a:schemeClr val="tx1"/>
+                </a:solidFill>
+                <a:miter lim="800000"/>
+                <a:headEnd/>
+                <a:tailEnd/>
+              </a14:hiddenLine>
+            </a:ext>
+            <a:ext uri="{AF507438-7753-43E0-B8FC-AC1667EBCBE1}">
+              <a14:hiddenEffects xmlns:a14="http://schemas.microsoft.com/office/drawing/2010/main">
+                <a:effectLst>
+                  <a:outerShdw dist="35921" dir="2700000" algn="ctr" rotWithShape="0">
+                    <a:schemeClr val="bg2"/>
+                  </a:outerShdw>
+                </a:effectLst>
+              </a14:hiddenEffects>
+            </a:ext>
+          </a:extLst>
+        </p:spPr>
+        <p:txBody>
+          <a:bodyPr vert="horz" wrap="square" lIns="91440" tIns="45720" rIns="91440" bIns="45720" numCol="1" anchor="ctr" anchorCtr="0" compatLnSpc="1">
+            <a:prstTxWarp prst="textNoShape">
+              <a:avLst/>
+            </a:prstTxWarp>
+            <a:spAutoFit/>
+          </a:bodyPr>
+          <a:lstStyle/>
+          <a:p>
+            <a:pPr marL="0" marR="0" lvl="0" indent="0" algn="l" defTabSz="914400" rtl="0" eaLnBrk="0" fontAlgn="base" latinLnBrk="0" hangingPunct="0">
+              <a:lnSpc>
+                <a:spcPct val="100000"/>
+              </a:lnSpc>
+              <a:spcBef>
+                <a:spcPct val="0"/>
+              </a:spcBef>
+              <a:spcAft>
+                <a:spcPct val="0"/>
+              </a:spcAft>
+              <a:buClrTx/>
+              <a:buSzTx/>
+              <a:buFontTx/>
+              <a:buNone/>
+              <a:tabLst/>
+            </a:pPr>
+            <a:r>
+              <a:rPr kumimoji="0" lang="zh-CN" altLang="zh-CN" sz="1400" b="1" i="0" u="none" strike="noStrike" cap="none" normalizeH="0" baseline="0">
+                <a:ln>
+                  <a:noFill/>
+                </a:ln>
+                <a:solidFill>
+                  <a:srgbClr val="000080"/>
+                </a:solidFill>
+                <a:effectLst/>
+                <a:latin typeface="Consolas" panose="020B0609020204030204" pitchFamily="49" charset="0"/>
+              </a:rPr>
+              <a:t>new </a:t>
+            </a:r>
+            <a:r>
+              <a:rPr kumimoji="0" lang="zh-CN" altLang="zh-CN" sz="1400" b="0" i="0" u="none" strike="noStrike" cap="none" normalizeH="0" baseline="0">
+                <a:ln>
+                  <a:noFill/>
+                </a:ln>
+                <a:solidFill>
+                  <a:srgbClr val="000000"/>
+                </a:solidFill>
+                <a:effectLst/>
+                <a:latin typeface="Consolas" panose="020B0609020204030204" pitchFamily="49" charset="0"/>
+              </a:rPr>
+              <a:t>Object()</a:t>
+            </a:r>
+            <a:br>
+              <a:rPr kumimoji="0" lang="zh-CN" altLang="zh-CN" sz="1400" b="0" i="0" u="none" strike="noStrike" cap="none" normalizeH="0" baseline="0">
+                <a:ln>
+                  <a:noFill/>
+                </a:ln>
+                <a:solidFill>
+                  <a:srgbClr val="000000"/>
+                </a:solidFill>
+                <a:effectLst/>
+                <a:latin typeface="Consolas" panose="020B0609020204030204" pitchFamily="49" charset="0"/>
+              </a:rPr>
+            </a:br>
+            <a:br>
+              <a:rPr kumimoji="0" lang="zh-CN" altLang="zh-CN" sz="1400" b="0" i="0" u="none" strike="noStrike" cap="none" normalizeH="0" baseline="0">
+                <a:ln>
+                  <a:noFill/>
+                </a:ln>
+                <a:solidFill>
+                  <a:srgbClr val="000000"/>
+                </a:solidFill>
+                <a:effectLst/>
+                <a:latin typeface="Consolas" panose="020B0609020204030204" pitchFamily="49" charset="0"/>
+              </a:rPr>
+            </a:br>
+            <a:r>
+              <a:rPr kumimoji="0" lang="zh-CN" altLang="zh-CN" sz="1400" b="1" i="0" u="none" strike="noStrike" cap="none" normalizeH="0" baseline="0">
+                <a:ln>
+                  <a:noFill/>
+                </a:ln>
+                <a:solidFill>
+                  <a:srgbClr val="000080"/>
+                </a:solidFill>
+                <a:effectLst/>
+                <a:latin typeface="Consolas" panose="020B0609020204030204" pitchFamily="49" charset="0"/>
+              </a:rPr>
+              <a:t>function </a:t>
+            </a:r>
+            <a:r>
+              <a:rPr kumimoji="0" lang="zh-CN" altLang="zh-CN" sz="1400" b="0" i="1" u="none" strike="noStrike" cap="none" normalizeH="0" baseline="0">
+                <a:ln>
+                  <a:noFill/>
+                </a:ln>
+                <a:solidFill>
+                  <a:srgbClr val="000000"/>
+                </a:solidFill>
+                <a:effectLst/>
+                <a:latin typeface="Consolas" panose="020B0609020204030204" pitchFamily="49" charset="0"/>
+              </a:rPr>
+              <a:t>Demo</a:t>
+            </a:r>
+            <a:r>
+              <a:rPr kumimoji="0" lang="zh-CN" altLang="zh-CN" sz="1400" b="0" i="0" u="none" strike="noStrike" cap="none" normalizeH="0" baseline="0">
+                <a:ln>
+                  <a:noFill/>
+                </a:ln>
+                <a:solidFill>
+                  <a:srgbClr val="000000"/>
+                </a:solidFill>
+                <a:effectLst/>
+                <a:latin typeface="Consolas" panose="020B0609020204030204" pitchFamily="49" charset="0"/>
+              </a:rPr>
+              <a:t>() {</a:t>
+            </a:r>
+            <a:br>
+              <a:rPr kumimoji="0" lang="zh-CN" altLang="zh-CN" sz="1400" b="0" i="0" u="none" strike="noStrike" cap="none" normalizeH="0" baseline="0">
+                <a:ln>
+                  <a:noFill/>
+                </a:ln>
+                <a:solidFill>
+                  <a:srgbClr val="000000"/>
+                </a:solidFill>
+                <a:effectLst/>
+                <a:latin typeface="Consolas" panose="020B0609020204030204" pitchFamily="49" charset="0"/>
+              </a:rPr>
+            </a:br>
+            <a:r>
+              <a:rPr kumimoji="0" lang="zh-CN" altLang="zh-CN" sz="1400" b="0" i="0" u="none" strike="noStrike" cap="none" normalizeH="0" baseline="0">
+                <a:ln>
+                  <a:noFill/>
+                </a:ln>
+                <a:solidFill>
+                  <a:srgbClr val="000000"/>
+                </a:solidFill>
+                <a:effectLst/>
+                <a:latin typeface="Consolas" panose="020B0609020204030204" pitchFamily="49" charset="0"/>
+              </a:rPr>
+              <a:t>  </a:t>
+            </a:r>
+            <a:r>
+              <a:rPr kumimoji="0" lang="zh-CN" altLang="zh-CN" sz="1400" b="1" i="0" u="none" strike="noStrike" cap="none" normalizeH="0" baseline="0">
+                <a:ln>
+                  <a:noFill/>
+                </a:ln>
+                <a:solidFill>
+                  <a:srgbClr val="000080"/>
+                </a:solidFill>
+                <a:effectLst/>
+                <a:latin typeface="Consolas" panose="020B0609020204030204" pitchFamily="49" charset="0"/>
+              </a:rPr>
+              <a:t>this</a:t>
+            </a:r>
+            <a:r>
+              <a:rPr kumimoji="0" lang="zh-CN" altLang="zh-CN" sz="1400" b="0" i="0" u="none" strike="noStrike" cap="none" normalizeH="0" baseline="0">
+                <a:ln>
+                  <a:noFill/>
+                </a:ln>
+                <a:solidFill>
+                  <a:srgbClr val="000000"/>
+                </a:solidFill>
+                <a:effectLst/>
+                <a:latin typeface="Consolas" panose="020B0609020204030204" pitchFamily="49" charset="0"/>
+              </a:rPr>
+              <a:t>.</a:t>
+            </a:r>
+            <a:r>
+              <a:rPr kumimoji="0" lang="zh-CN" altLang="zh-CN" sz="1400" b="0" i="0" u="none" strike="noStrike" cap="none" normalizeH="0" baseline="0">
+                <a:ln>
+                  <a:noFill/>
+                </a:ln>
+                <a:solidFill>
+                  <a:srgbClr val="7A7A43"/>
+                </a:solidFill>
+                <a:effectLst/>
+                <a:latin typeface="Consolas" panose="020B0609020204030204" pitchFamily="49" charset="0"/>
+              </a:rPr>
+              <a:t>test1 </a:t>
+            </a:r>
+            <a:r>
+              <a:rPr kumimoji="0" lang="zh-CN" altLang="zh-CN" sz="1400" b="0" i="0" u="none" strike="noStrike" cap="none" normalizeH="0" baseline="0">
+                <a:ln>
+                  <a:noFill/>
+                </a:ln>
+                <a:solidFill>
+                  <a:srgbClr val="000000"/>
+                </a:solidFill>
+                <a:effectLst/>
+                <a:latin typeface="Consolas" panose="020B0609020204030204" pitchFamily="49" charset="0"/>
+              </a:rPr>
+              <a:t>= </a:t>
+            </a:r>
+            <a:r>
+              <a:rPr kumimoji="0" lang="zh-CN" altLang="zh-CN" sz="1400" b="1" i="0" u="none" strike="noStrike" cap="none" normalizeH="0" baseline="0">
+                <a:ln>
+                  <a:noFill/>
+                </a:ln>
+                <a:solidFill>
+                  <a:srgbClr val="000080"/>
+                </a:solidFill>
+                <a:effectLst/>
+                <a:latin typeface="Consolas" panose="020B0609020204030204" pitchFamily="49" charset="0"/>
+              </a:rPr>
+              <a:t>function </a:t>
+            </a:r>
+            <a:r>
+              <a:rPr kumimoji="0" lang="zh-CN" altLang="zh-CN" sz="1400" b="0" i="0" u="none" strike="noStrike" cap="none" normalizeH="0" baseline="0">
+                <a:ln>
+                  <a:noFill/>
+                </a:ln>
+                <a:solidFill>
+                  <a:srgbClr val="000000"/>
+                </a:solidFill>
+                <a:effectLst/>
+                <a:latin typeface="Consolas" panose="020B0609020204030204" pitchFamily="49" charset="0"/>
+              </a:rPr>
+              <a:t>() {</a:t>
+            </a:r>
+            <a:br>
+              <a:rPr kumimoji="0" lang="zh-CN" altLang="zh-CN" sz="1400" b="0" i="0" u="none" strike="noStrike" cap="none" normalizeH="0" baseline="0">
+                <a:ln>
+                  <a:noFill/>
+                </a:ln>
+                <a:solidFill>
+                  <a:srgbClr val="000000"/>
+                </a:solidFill>
+                <a:effectLst/>
+                <a:latin typeface="Consolas" panose="020B0609020204030204" pitchFamily="49" charset="0"/>
+              </a:rPr>
+            </a:br>
+            <a:r>
+              <a:rPr kumimoji="0" lang="zh-CN" altLang="zh-CN" sz="1400" b="0" i="0" u="none" strike="noStrike" cap="none" normalizeH="0" baseline="0">
+                <a:ln>
+                  <a:noFill/>
+                </a:ln>
+                <a:solidFill>
+                  <a:srgbClr val="000000"/>
+                </a:solidFill>
+                <a:effectLst/>
+                <a:latin typeface="Consolas" panose="020B0609020204030204" pitchFamily="49" charset="0"/>
+              </a:rPr>
+              <a:t>    </a:t>
+            </a:r>
+            <a:r>
+              <a:rPr kumimoji="0" lang="zh-CN" altLang="zh-CN" sz="1400" b="1" i="0" u="none" strike="noStrike" cap="none" normalizeH="0" baseline="0">
+                <a:ln>
+                  <a:noFill/>
+                </a:ln>
+                <a:solidFill>
+                  <a:srgbClr val="660E7A"/>
+                </a:solidFill>
+                <a:effectLst/>
+                <a:latin typeface="Consolas" panose="020B0609020204030204" pitchFamily="49" charset="0"/>
+              </a:rPr>
+              <a:t>console</a:t>
+            </a:r>
+            <a:r>
+              <a:rPr kumimoji="0" lang="zh-CN" altLang="zh-CN" sz="1400" b="0" i="0" u="none" strike="noStrike" cap="none" normalizeH="0" baseline="0">
+                <a:ln>
+                  <a:noFill/>
+                </a:ln>
+                <a:solidFill>
+                  <a:srgbClr val="000000"/>
+                </a:solidFill>
+                <a:effectLst/>
+                <a:latin typeface="Consolas" panose="020B0609020204030204" pitchFamily="49" charset="0"/>
+              </a:rPr>
+              <a:t>.</a:t>
+            </a:r>
+            <a:r>
+              <a:rPr kumimoji="0" lang="zh-CN" altLang="zh-CN" sz="1400" b="0" i="0" u="none" strike="noStrike" cap="none" normalizeH="0" baseline="0">
+                <a:ln>
+                  <a:noFill/>
+                </a:ln>
+                <a:solidFill>
+                  <a:srgbClr val="7A7A43"/>
+                </a:solidFill>
+                <a:effectLst/>
+                <a:latin typeface="Consolas" panose="020B0609020204030204" pitchFamily="49" charset="0"/>
+              </a:rPr>
+              <a:t>log</a:t>
+            </a:r>
+            <a:r>
+              <a:rPr kumimoji="0" lang="zh-CN" altLang="zh-CN" sz="1400" b="0" i="0" u="none" strike="noStrike" cap="none" normalizeH="0" baseline="0">
+                <a:ln>
+                  <a:noFill/>
+                </a:ln>
+                <a:solidFill>
+                  <a:srgbClr val="000000"/>
+                </a:solidFill>
+                <a:effectLst/>
+                <a:latin typeface="Consolas" panose="020B0609020204030204" pitchFamily="49" charset="0"/>
+              </a:rPr>
+              <a:t>(</a:t>
+            </a:r>
+            <a:r>
+              <a:rPr kumimoji="0" lang="zh-CN" altLang="zh-CN" sz="1400" b="1" i="0" u="none" strike="noStrike" cap="none" normalizeH="0" baseline="0">
+                <a:ln>
+                  <a:noFill/>
+                </a:ln>
+                <a:solidFill>
+                  <a:srgbClr val="008000"/>
+                </a:solidFill>
+                <a:effectLst/>
+                <a:latin typeface="Consolas" panose="020B0609020204030204" pitchFamily="49" charset="0"/>
+              </a:rPr>
+              <a:t>'</a:t>
+            </a:r>
+            <a:r>
+              <a:rPr kumimoji="0" lang="zh-CN" altLang="zh-CN" sz="1400" b="1" i="0" u="none" strike="noStrike" cap="none" normalizeH="0" baseline="0">
+                <a:ln>
+                  <a:noFill/>
+                </a:ln>
+                <a:solidFill>
+                  <a:srgbClr val="008000"/>
+                </a:solidFill>
+                <a:effectLst/>
+                <a:latin typeface="宋体" panose="02010600030101010101" pitchFamily="2" charset="-122"/>
+                <a:ea typeface="宋体" panose="02010600030101010101" pitchFamily="2" charset="-122"/>
+              </a:rPr>
+              <a:t>我是</a:t>
+            </a:r>
+            <a:r>
+              <a:rPr kumimoji="0" lang="zh-CN" altLang="zh-CN" sz="1400" b="1" i="0" u="none" strike="noStrike" cap="none" normalizeH="0" baseline="0">
+                <a:ln>
+                  <a:noFill/>
+                </a:ln>
+                <a:solidFill>
+                  <a:srgbClr val="008000"/>
+                </a:solidFill>
+                <a:effectLst/>
+                <a:latin typeface="Consolas" panose="020B0609020204030204" pitchFamily="49" charset="0"/>
+              </a:rPr>
+              <a:t>test1'</a:t>
+            </a:r>
+            <a:r>
+              <a:rPr kumimoji="0" lang="zh-CN" altLang="zh-CN" sz="1400" b="0" i="0" u="none" strike="noStrike" cap="none" normalizeH="0" baseline="0">
+                <a:ln>
+                  <a:noFill/>
+                </a:ln>
+                <a:solidFill>
+                  <a:srgbClr val="000000"/>
+                </a:solidFill>
+                <a:effectLst/>
+                <a:latin typeface="Consolas" panose="020B0609020204030204" pitchFamily="49" charset="0"/>
+              </a:rPr>
+              <a:t>)</a:t>
+            </a:r>
+            <a:br>
+              <a:rPr kumimoji="0" lang="zh-CN" altLang="zh-CN" sz="1400" b="0" i="0" u="none" strike="noStrike" cap="none" normalizeH="0" baseline="0">
+                <a:ln>
+                  <a:noFill/>
+                </a:ln>
+                <a:solidFill>
+                  <a:srgbClr val="000000"/>
+                </a:solidFill>
+                <a:effectLst/>
+                <a:latin typeface="Consolas" panose="020B0609020204030204" pitchFamily="49" charset="0"/>
+              </a:rPr>
+            </a:br>
+            <a:r>
+              <a:rPr kumimoji="0" lang="zh-CN" altLang="zh-CN" sz="1400" b="0" i="0" u="none" strike="noStrike" cap="none" normalizeH="0" baseline="0">
+                <a:ln>
+                  <a:noFill/>
+                </a:ln>
+                <a:solidFill>
+                  <a:srgbClr val="000000"/>
+                </a:solidFill>
+                <a:effectLst/>
+                <a:latin typeface="Consolas" panose="020B0609020204030204" pitchFamily="49" charset="0"/>
+              </a:rPr>
+              <a:t>  }</a:t>
+            </a:r>
+            <a:br>
+              <a:rPr kumimoji="0" lang="zh-CN" altLang="zh-CN" sz="1400" b="0" i="0" u="none" strike="noStrike" cap="none" normalizeH="0" baseline="0">
+                <a:ln>
+                  <a:noFill/>
+                </a:ln>
+                <a:solidFill>
+                  <a:srgbClr val="000000"/>
+                </a:solidFill>
+                <a:effectLst/>
+                <a:latin typeface="Consolas" panose="020B0609020204030204" pitchFamily="49" charset="0"/>
+              </a:rPr>
+            </a:br>
+            <a:r>
+              <a:rPr kumimoji="0" lang="zh-CN" altLang="zh-CN" sz="1400" b="0" i="0" u="none" strike="noStrike" cap="none" normalizeH="0" baseline="0">
+                <a:ln>
+                  <a:noFill/>
+                </a:ln>
+                <a:solidFill>
+                  <a:srgbClr val="000000"/>
+                </a:solidFill>
+                <a:effectLst/>
+                <a:latin typeface="Consolas" panose="020B0609020204030204" pitchFamily="49" charset="0"/>
+              </a:rPr>
+              <a:t>}</a:t>
+            </a:r>
+            <a:br>
+              <a:rPr kumimoji="0" lang="zh-CN" altLang="zh-CN" sz="1400" b="0" i="0" u="none" strike="noStrike" cap="none" normalizeH="0" baseline="0">
+                <a:ln>
+                  <a:noFill/>
+                </a:ln>
+                <a:solidFill>
+                  <a:srgbClr val="000000"/>
+                </a:solidFill>
+                <a:effectLst/>
+                <a:latin typeface="Consolas" panose="020B0609020204030204" pitchFamily="49" charset="0"/>
+              </a:rPr>
+            </a:br>
+            <a:br>
+              <a:rPr kumimoji="0" lang="zh-CN" altLang="zh-CN" sz="1400" b="0" i="0" u="none" strike="noStrike" cap="none" normalizeH="0" baseline="0">
+                <a:ln>
+                  <a:noFill/>
+                </a:ln>
+                <a:solidFill>
+                  <a:srgbClr val="000000"/>
+                </a:solidFill>
+                <a:effectLst/>
+                <a:latin typeface="Consolas" panose="020B0609020204030204" pitchFamily="49" charset="0"/>
+              </a:rPr>
+            </a:br>
+            <a:r>
+              <a:rPr kumimoji="0" lang="zh-CN" altLang="zh-CN" sz="1400" b="0" i="1" u="none" strike="noStrike" cap="none" normalizeH="0" baseline="0">
+                <a:ln>
+                  <a:noFill/>
+                </a:ln>
+                <a:solidFill>
+                  <a:srgbClr val="000000"/>
+                </a:solidFill>
+                <a:effectLst/>
+                <a:latin typeface="Consolas" panose="020B0609020204030204" pitchFamily="49" charset="0"/>
+              </a:rPr>
+              <a:t>Demo</a:t>
+            </a:r>
+            <a:r>
+              <a:rPr kumimoji="0" lang="zh-CN" altLang="zh-CN" sz="1400" b="0" i="0" u="none" strike="noStrike" cap="none" normalizeH="0" baseline="0">
+                <a:ln>
+                  <a:noFill/>
+                </a:ln>
+                <a:solidFill>
+                  <a:srgbClr val="000000"/>
+                </a:solidFill>
+                <a:effectLst/>
+                <a:latin typeface="Consolas" panose="020B0609020204030204" pitchFamily="49" charset="0"/>
+              </a:rPr>
+              <a:t>.</a:t>
+            </a:r>
+            <a:r>
+              <a:rPr kumimoji="0" lang="zh-CN" altLang="zh-CN" sz="1400" b="1" i="0" u="none" strike="noStrike" cap="none" normalizeH="0" baseline="0">
+                <a:ln>
+                  <a:noFill/>
+                </a:ln>
+                <a:solidFill>
+                  <a:srgbClr val="660E7A"/>
+                </a:solidFill>
+                <a:effectLst/>
+                <a:latin typeface="Consolas" panose="020B0609020204030204" pitchFamily="49" charset="0"/>
+              </a:rPr>
+              <a:t>prototype</a:t>
+            </a:r>
+            <a:r>
+              <a:rPr kumimoji="0" lang="zh-CN" altLang="zh-CN" sz="1400" b="0" i="0" u="none" strike="noStrike" cap="none" normalizeH="0" baseline="0">
+                <a:ln>
+                  <a:noFill/>
+                </a:ln>
+                <a:solidFill>
+                  <a:srgbClr val="000000"/>
+                </a:solidFill>
+                <a:effectLst/>
+                <a:latin typeface="Consolas" panose="020B0609020204030204" pitchFamily="49" charset="0"/>
+              </a:rPr>
+              <a:t>.</a:t>
+            </a:r>
+            <a:r>
+              <a:rPr kumimoji="0" lang="zh-CN" altLang="zh-CN" sz="1400" b="0" i="0" u="none" strike="noStrike" cap="none" normalizeH="0" baseline="0">
+                <a:ln>
+                  <a:noFill/>
+                </a:ln>
+                <a:solidFill>
+                  <a:srgbClr val="7A7A43"/>
+                </a:solidFill>
+                <a:effectLst/>
+                <a:latin typeface="Consolas" panose="020B0609020204030204" pitchFamily="49" charset="0"/>
+              </a:rPr>
+              <a:t>test2 </a:t>
+            </a:r>
+            <a:r>
+              <a:rPr kumimoji="0" lang="zh-CN" altLang="zh-CN" sz="1400" b="0" i="0" u="none" strike="noStrike" cap="none" normalizeH="0" baseline="0">
+                <a:ln>
+                  <a:noFill/>
+                </a:ln>
+                <a:solidFill>
+                  <a:srgbClr val="000000"/>
+                </a:solidFill>
+                <a:effectLst/>
+                <a:latin typeface="Consolas" panose="020B0609020204030204" pitchFamily="49" charset="0"/>
+              </a:rPr>
+              <a:t>= </a:t>
+            </a:r>
+            <a:r>
+              <a:rPr kumimoji="0" lang="zh-CN" altLang="zh-CN" sz="1400" b="1" i="0" u="none" strike="noStrike" cap="none" normalizeH="0" baseline="0">
+                <a:ln>
+                  <a:noFill/>
+                </a:ln>
+                <a:solidFill>
+                  <a:srgbClr val="000080"/>
+                </a:solidFill>
+                <a:effectLst/>
+                <a:latin typeface="Consolas" panose="020B0609020204030204" pitchFamily="49" charset="0"/>
+              </a:rPr>
+              <a:t>function </a:t>
+            </a:r>
+            <a:r>
+              <a:rPr kumimoji="0" lang="zh-CN" altLang="zh-CN" sz="1400" b="0" i="0" u="none" strike="noStrike" cap="none" normalizeH="0" baseline="0">
+                <a:ln>
+                  <a:noFill/>
+                </a:ln>
+                <a:solidFill>
+                  <a:srgbClr val="000000"/>
+                </a:solidFill>
+                <a:effectLst/>
+                <a:latin typeface="Consolas" panose="020B0609020204030204" pitchFamily="49" charset="0"/>
+              </a:rPr>
+              <a:t>() {</a:t>
+            </a:r>
+            <a:br>
+              <a:rPr kumimoji="0" lang="zh-CN" altLang="zh-CN" sz="1400" b="0" i="0" u="none" strike="noStrike" cap="none" normalizeH="0" baseline="0">
+                <a:ln>
+                  <a:noFill/>
+                </a:ln>
+                <a:solidFill>
+                  <a:srgbClr val="000000"/>
+                </a:solidFill>
+                <a:effectLst/>
+                <a:latin typeface="Consolas" panose="020B0609020204030204" pitchFamily="49" charset="0"/>
+              </a:rPr>
+            </a:br>
+            <a:r>
+              <a:rPr kumimoji="0" lang="zh-CN" altLang="zh-CN" sz="1400" b="0" i="0" u="none" strike="noStrike" cap="none" normalizeH="0" baseline="0">
+                <a:ln>
+                  <a:noFill/>
+                </a:ln>
+                <a:solidFill>
+                  <a:srgbClr val="000000"/>
+                </a:solidFill>
+                <a:effectLst/>
+                <a:latin typeface="Consolas" panose="020B0609020204030204" pitchFamily="49" charset="0"/>
+              </a:rPr>
+              <a:t>  </a:t>
+            </a:r>
+            <a:r>
+              <a:rPr kumimoji="0" lang="zh-CN" altLang="zh-CN" sz="1400" b="1" i="0" u="none" strike="noStrike" cap="none" normalizeH="0" baseline="0">
+                <a:ln>
+                  <a:noFill/>
+                </a:ln>
+                <a:solidFill>
+                  <a:srgbClr val="660E7A"/>
+                </a:solidFill>
+                <a:effectLst/>
+                <a:latin typeface="Consolas" panose="020B0609020204030204" pitchFamily="49" charset="0"/>
+              </a:rPr>
+              <a:t>console</a:t>
+            </a:r>
+            <a:r>
+              <a:rPr kumimoji="0" lang="zh-CN" altLang="zh-CN" sz="1400" b="0" i="0" u="none" strike="noStrike" cap="none" normalizeH="0" baseline="0">
+                <a:ln>
+                  <a:noFill/>
+                </a:ln>
+                <a:solidFill>
+                  <a:srgbClr val="000000"/>
+                </a:solidFill>
+                <a:effectLst/>
+                <a:latin typeface="Consolas" panose="020B0609020204030204" pitchFamily="49" charset="0"/>
+              </a:rPr>
+              <a:t>.</a:t>
+            </a:r>
+            <a:r>
+              <a:rPr kumimoji="0" lang="zh-CN" altLang="zh-CN" sz="1400" b="0" i="0" u="none" strike="noStrike" cap="none" normalizeH="0" baseline="0">
+                <a:ln>
+                  <a:noFill/>
+                </a:ln>
+                <a:solidFill>
+                  <a:srgbClr val="7A7A43"/>
+                </a:solidFill>
+                <a:effectLst/>
+                <a:latin typeface="Consolas" panose="020B0609020204030204" pitchFamily="49" charset="0"/>
+              </a:rPr>
+              <a:t>log</a:t>
+            </a:r>
+            <a:r>
+              <a:rPr kumimoji="0" lang="zh-CN" altLang="zh-CN" sz="1400" b="0" i="0" u="none" strike="noStrike" cap="none" normalizeH="0" baseline="0">
+                <a:ln>
+                  <a:noFill/>
+                </a:ln>
+                <a:solidFill>
+                  <a:srgbClr val="000000"/>
+                </a:solidFill>
+                <a:effectLst/>
+                <a:latin typeface="Consolas" panose="020B0609020204030204" pitchFamily="49" charset="0"/>
+              </a:rPr>
+              <a:t>(</a:t>
+            </a:r>
+            <a:r>
+              <a:rPr kumimoji="0" lang="zh-CN" altLang="zh-CN" sz="1400" b="1" i="0" u="none" strike="noStrike" cap="none" normalizeH="0" baseline="0">
+                <a:ln>
+                  <a:noFill/>
+                </a:ln>
+                <a:solidFill>
+                  <a:srgbClr val="008000"/>
+                </a:solidFill>
+                <a:effectLst/>
+                <a:latin typeface="Consolas" panose="020B0609020204030204" pitchFamily="49" charset="0"/>
+              </a:rPr>
+              <a:t>'</a:t>
+            </a:r>
+            <a:r>
+              <a:rPr kumimoji="0" lang="zh-CN" altLang="zh-CN" sz="1400" b="1" i="0" u="none" strike="noStrike" cap="none" normalizeH="0" baseline="0">
+                <a:ln>
+                  <a:noFill/>
+                </a:ln>
+                <a:solidFill>
+                  <a:srgbClr val="008000"/>
+                </a:solidFill>
+                <a:effectLst/>
+                <a:latin typeface="宋体" panose="02010600030101010101" pitchFamily="2" charset="-122"/>
+                <a:ea typeface="宋体" panose="02010600030101010101" pitchFamily="2" charset="-122"/>
+              </a:rPr>
+              <a:t>我是</a:t>
+            </a:r>
+            <a:r>
+              <a:rPr kumimoji="0" lang="zh-CN" altLang="zh-CN" sz="1400" b="1" i="0" u="none" strike="noStrike" cap="none" normalizeH="0" baseline="0">
+                <a:ln>
+                  <a:noFill/>
+                </a:ln>
+                <a:solidFill>
+                  <a:srgbClr val="008000"/>
+                </a:solidFill>
+                <a:effectLst/>
+                <a:latin typeface="Consolas" panose="020B0609020204030204" pitchFamily="49" charset="0"/>
+              </a:rPr>
+              <a:t>test2'</a:t>
+            </a:r>
+            <a:r>
+              <a:rPr kumimoji="0" lang="zh-CN" altLang="zh-CN" sz="1400" b="0" i="0" u="none" strike="noStrike" cap="none" normalizeH="0" baseline="0">
+                <a:ln>
+                  <a:noFill/>
+                </a:ln>
+                <a:solidFill>
+                  <a:srgbClr val="000000"/>
+                </a:solidFill>
+                <a:effectLst/>
+                <a:latin typeface="Consolas" panose="020B0609020204030204" pitchFamily="49" charset="0"/>
+              </a:rPr>
+              <a:t>)</a:t>
+            </a:r>
+            <a:br>
+              <a:rPr kumimoji="0" lang="zh-CN" altLang="zh-CN" sz="1400" b="0" i="0" u="none" strike="noStrike" cap="none" normalizeH="0" baseline="0">
+                <a:ln>
+                  <a:noFill/>
+                </a:ln>
+                <a:solidFill>
+                  <a:srgbClr val="000000"/>
+                </a:solidFill>
+                <a:effectLst/>
+                <a:latin typeface="Consolas" panose="020B0609020204030204" pitchFamily="49" charset="0"/>
+              </a:rPr>
+            </a:br>
+            <a:r>
+              <a:rPr kumimoji="0" lang="zh-CN" altLang="zh-CN" sz="1400" b="0" i="0" u="none" strike="noStrike" cap="none" normalizeH="0" baseline="0">
+                <a:ln>
+                  <a:noFill/>
+                </a:ln>
+                <a:solidFill>
+                  <a:srgbClr val="000000"/>
+                </a:solidFill>
+                <a:effectLst/>
+                <a:latin typeface="Consolas" panose="020B0609020204030204" pitchFamily="49" charset="0"/>
+              </a:rPr>
+              <a:t>}</a:t>
+            </a:r>
+            <a:br>
+              <a:rPr kumimoji="0" lang="zh-CN" altLang="zh-CN" sz="1400" b="0" i="0" u="none" strike="noStrike" cap="none" normalizeH="0" baseline="0">
+                <a:ln>
+                  <a:noFill/>
+                </a:ln>
+                <a:solidFill>
+                  <a:srgbClr val="000000"/>
+                </a:solidFill>
+                <a:effectLst/>
+                <a:latin typeface="Consolas" panose="020B0609020204030204" pitchFamily="49" charset="0"/>
+              </a:rPr>
+            </a:br>
+            <a:br>
+              <a:rPr kumimoji="0" lang="zh-CN" altLang="zh-CN" sz="1400" b="0" i="0" u="none" strike="noStrike" cap="none" normalizeH="0" baseline="0">
+                <a:ln>
+                  <a:noFill/>
+                </a:ln>
+                <a:solidFill>
+                  <a:srgbClr val="000000"/>
+                </a:solidFill>
+                <a:effectLst/>
+                <a:latin typeface="Consolas" panose="020B0609020204030204" pitchFamily="49" charset="0"/>
+              </a:rPr>
+            </a:br>
+            <a:r>
+              <a:rPr kumimoji="0" lang="zh-CN" altLang="zh-CN" sz="1400" b="1" i="0" u="none" strike="noStrike" cap="none" normalizeH="0" baseline="0">
+                <a:ln>
+                  <a:noFill/>
+                </a:ln>
+                <a:solidFill>
+                  <a:srgbClr val="000080"/>
+                </a:solidFill>
+                <a:effectLst/>
+                <a:latin typeface="Consolas" panose="020B0609020204030204" pitchFamily="49" charset="0"/>
+              </a:rPr>
+              <a:t>var </a:t>
+            </a:r>
+            <a:r>
+              <a:rPr kumimoji="0" lang="zh-CN" altLang="zh-CN" sz="1400" b="1" i="1" u="none" strike="noStrike" cap="none" normalizeH="0" baseline="0">
+                <a:ln>
+                  <a:noFill/>
+                </a:ln>
+                <a:solidFill>
+                  <a:srgbClr val="660E7A"/>
+                </a:solidFill>
+                <a:effectLst/>
+                <a:latin typeface="Consolas" panose="020B0609020204030204" pitchFamily="49" charset="0"/>
+              </a:rPr>
+              <a:t>d </a:t>
+            </a:r>
+            <a:r>
+              <a:rPr kumimoji="0" lang="zh-CN" altLang="zh-CN" sz="1400" b="0" i="0" u="none" strike="noStrike" cap="none" normalizeH="0" baseline="0">
+                <a:ln>
+                  <a:noFill/>
+                </a:ln>
+                <a:solidFill>
+                  <a:srgbClr val="000000"/>
+                </a:solidFill>
+                <a:effectLst/>
+                <a:latin typeface="Consolas" panose="020B0609020204030204" pitchFamily="49" charset="0"/>
+              </a:rPr>
+              <a:t>= </a:t>
+            </a:r>
+            <a:r>
+              <a:rPr kumimoji="0" lang="zh-CN" altLang="zh-CN" sz="1400" b="1" i="0" u="none" strike="noStrike" cap="none" normalizeH="0" baseline="0">
+                <a:ln>
+                  <a:noFill/>
+                </a:ln>
+                <a:solidFill>
+                  <a:srgbClr val="000080"/>
+                </a:solidFill>
+                <a:effectLst/>
+                <a:latin typeface="Consolas" panose="020B0609020204030204" pitchFamily="49" charset="0"/>
+              </a:rPr>
+              <a:t>new </a:t>
+            </a:r>
+            <a:r>
+              <a:rPr kumimoji="0" lang="zh-CN" altLang="zh-CN" sz="1400" b="0" i="1" u="none" strike="noStrike" cap="none" normalizeH="0" baseline="0">
+                <a:ln>
+                  <a:noFill/>
+                </a:ln>
+                <a:solidFill>
+                  <a:srgbClr val="000000"/>
+                </a:solidFill>
+                <a:effectLst/>
+                <a:latin typeface="Consolas" panose="020B0609020204030204" pitchFamily="49" charset="0"/>
+              </a:rPr>
+              <a:t>Demo</a:t>
+            </a:r>
+            <a:r>
+              <a:rPr kumimoji="0" lang="zh-CN" altLang="zh-CN" sz="1400" b="0" i="0" u="none" strike="noStrike" cap="none" normalizeH="0" baseline="0">
+                <a:ln>
+                  <a:noFill/>
+                </a:ln>
+                <a:solidFill>
+                  <a:srgbClr val="000000"/>
+                </a:solidFill>
+                <a:effectLst/>
+                <a:latin typeface="Consolas" panose="020B0609020204030204" pitchFamily="49" charset="0"/>
+              </a:rPr>
+              <a:t>()</a:t>
+            </a:r>
+            <a:br>
+              <a:rPr kumimoji="0" lang="zh-CN" altLang="zh-CN" sz="1400" b="0" i="0" u="none" strike="noStrike" cap="none" normalizeH="0" baseline="0">
+                <a:ln>
+                  <a:noFill/>
+                </a:ln>
+                <a:solidFill>
+                  <a:srgbClr val="000000"/>
+                </a:solidFill>
+                <a:effectLst/>
+                <a:latin typeface="Consolas" panose="020B0609020204030204" pitchFamily="49" charset="0"/>
+              </a:rPr>
+            </a:br>
+            <a:r>
+              <a:rPr kumimoji="0" lang="zh-CN" altLang="zh-CN" sz="1400" b="1" i="0" u="none" strike="noStrike" cap="none" normalizeH="0" baseline="0">
+                <a:ln>
+                  <a:noFill/>
+                </a:ln>
+                <a:solidFill>
+                  <a:srgbClr val="660E7A"/>
+                </a:solidFill>
+                <a:effectLst/>
+                <a:latin typeface="Consolas" panose="020B0609020204030204" pitchFamily="49" charset="0"/>
+              </a:rPr>
+              <a:t>console</a:t>
+            </a:r>
+            <a:r>
+              <a:rPr kumimoji="0" lang="zh-CN" altLang="zh-CN" sz="1400" b="0" i="0" u="none" strike="noStrike" cap="none" normalizeH="0" baseline="0">
+                <a:ln>
+                  <a:noFill/>
+                </a:ln>
+                <a:solidFill>
+                  <a:srgbClr val="000000"/>
+                </a:solidFill>
+                <a:effectLst/>
+                <a:latin typeface="Consolas" panose="020B0609020204030204" pitchFamily="49" charset="0"/>
+              </a:rPr>
+              <a:t>.</a:t>
+            </a:r>
+            <a:r>
+              <a:rPr kumimoji="0" lang="zh-CN" altLang="zh-CN" sz="1400" b="0" i="0" u="none" strike="noStrike" cap="none" normalizeH="0" baseline="0">
+                <a:ln>
+                  <a:noFill/>
+                </a:ln>
+                <a:solidFill>
+                  <a:srgbClr val="7A7A43"/>
+                </a:solidFill>
+                <a:effectLst/>
+                <a:latin typeface="Consolas" panose="020B0609020204030204" pitchFamily="49" charset="0"/>
+              </a:rPr>
+              <a:t>log</a:t>
+            </a:r>
+            <a:r>
+              <a:rPr kumimoji="0" lang="zh-CN" altLang="zh-CN" sz="1400" b="0" i="0" u="none" strike="noStrike" cap="none" normalizeH="0" baseline="0">
+                <a:ln>
+                  <a:noFill/>
+                </a:ln>
+                <a:solidFill>
+                  <a:srgbClr val="000000"/>
+                </a:solidFill>
+                <a:effectLst/>
+                <a:latin typeface="Consolas" panose="020B0609020204030204" pitchFamily="49" charset="0"/>
+              </a:rPr>
+              <a:t>(</a:t>
+            </a:r>
+            <a:r>
+              <a:rPr kumimoji="0" lang="zh-CN" altLang="zh-CN" sz="1400" b="0" i="1" u="none" strike="noStrike" cap="none" normalizeH="0" baseline="0">
+                <a:ln>
+                  <a:noFill/>
+                </a:ln>
+                <a:solidFill>
+                  <a:srgbClr val="000000"/>
+                </a:solidFill>
+                <a:effectLst/>
+                <a:latin typeface="Consolas" panose="020B0609020204030204" pitchFamily="49" charset="0"/>
+              </a:rPr>
+              <a:t>Demo</a:t>
+            </a:r>
+            <a:r>
+              <a:rPr kumimoji="0" lang="zh-CN" altLang="zh-CN" sz="1400" b="0" i="0" u="none" strike="noStrike" cap="none" normalizeH="0" baseline="0">
+                <a:ln>
+                  <a:noFill/>
+                </a:ln>
+                <a:solidFill>
+                  <a:srgbClr val="000000"/>
+                </a:solidFill>
+                <a:effectLst/>
+                <a:latin typeface="Consolas" panose="020B0609020204030204" pitchFamily="49" charset="0"/>
+              </a:rPr>
+              <a:t>.</a:t>
+            </a:r>
+            <a:r>
+              <a:rPr kumimoji="0" lang="zh-CN" altLang="zh-CN" sz="1400" b="1" i="0" u="none" strike="noStrike" cap="none" normalizeH="0" baseline="0">
+                <a:ln>
+                  <a:noFill/>
+                </a:ln>
+                <a:solidFill>
+                  <a:srgbClr val="660E7A"/>
+                </a:solidFill>
+                <a:effectLst/>
+                <a:latin typeface="Consolas" panose="020B0609020204030204" pitchFamily="49" charset="0"/>
+              </a:rPr>
+              <a:t>prototype</a:t>
+            </a:r>
+            <a:r>
+              <a:rPr kumimoji="0" lang="zh-CN" altLang="zh-CN" sz="1400" b="0" i="0" u="none" strike="noStrike" cap="none" normalizeH="0" baseline="0">
+                <a:ln>
+                  <a:noFill/>
+                </a:ln>
+                <a:solidFill>
+                  <a:srgbClr val="000000"/>
+                </a:solidFill>
+                <a:effectLst/>
+                <a:latin typeface="Consolas" panose="020B0609020204030204" pitchFamily="49" charset="0"/>
+              </a:rPr>
+              <a:t>)</a:t>
+            </a:r>
+            <a:br>
+              <a:rPr kumimoji="0" lang="zh-CN" altLang="zh-CN" sz="1400" b="0" i="1" u="none" strike="noStrike" cap="none" normalizeH="0" baseline="0">
+                <a:ln>
+                  <a:noFill/>
+                </a:ln>
+                <a:solidFill>
+                  <a:srgbClr val="808080"/>
+                </a:solidFill>
+                <a:effectLst/>
+                <a:latin typeface="Consolas" panose="020B0609020204030204" pitchFamily="49" charset="0"/>
+              </a:rPr>
+            </a:br>
+            <a:r>
+              <a:rPr kumimoji="0" lang="zh-CN" altLang="zh-CN" sz="1400" b="1" i="1" u="none" strike="noStrike" cap="none" normalizeH="0" baseline="0">
+                <a:ln>
+                  <a:noFill/>
+                </a:ln>
+                <a:solidFill>
+                  <a:srgbClr val="660E7A"/>
+                </a:solidFill>
+                <a:effectLst/>
+                <a:latin typeface="Consolas" panose="020B0609020204030204" pitchFamily="49" charset="0"/>
+              </a:rPr>
+              <a:t>d</a:t>
+            </a:r>
+            <a:r>
+              <a:rPr kumimoji="0" lang="zh-CN" altLang="zh-CN" sz="1400" b="0" i="0" u="none" strike="noStrike" cap="none" normalizeH="0" baseline="0">
+                <a:ln>
+                  <a:noFill/>
+                </a:ln>
+                <a:solidFill>
+                  <a:srgbClr val="000000"/>
+                </a:solidFill>
+                <a:effectLst/>
+                <a:latin typeface="Consolas" panose="020B0609020204030204" pitchFamily="49" charset="0"/>
+              </a:rPr>
+              <a:t>.</a:t>
+            </a:r>
+            <a:r>
+              <a:rPr kumimoji="0" lang="zh-CN" altLang="zh-CN" sz="1400" b="0" i="0" u="none" strike="noStrike" cap="none" normalizeH="0" baseline="0">
+                <a:ln>
+                  <a:noFill/>
+                </a:ln>
+                <a:solidFill>
+                  <a:srgbClr val="7A7A43"/>
+                </a:solidFill>
+                <a:effectLst/>
+                <a:latin typeface="Consolas" panose="020B0609020204030204" pitchFamily="49" charset="0"/>
+              </a:rPr>
+              <a:t>test1</a:t>
+            </a:r>
+            <a:r>
+              <a:rPr kumimoji="0" lang="zh-CN" altLang="zh-CN" sz="1400" b="0" i="0" u="none" strike="noStrike" cap="none" normalizeH="0" baseline="0">
+                <a:ln>
+                  <a:noFill/>
+                </a:ln>
+                <a:solidFill>
+                  <a:srgbClr val="000000"/>
+                </a:solidFill>
+                <a:effectLst/>
+                <a:latin typeface="Consolas" panose="020B0609020204030204" pitchFamily="49" charset="0"/>
+              </a:rPr>
+              <a:t>()</a:t>
+            </a:r>
+            <a:br>
+              <a:rPr kumimoji="0" lang="zh-CN" altLang="zh-CN" sz="1400" b="0" i="1" u="none" strike="noStrike" cap="none" normalizeH="0" baseline="0">
+                <a:ln>
+                  <a:noFill/>
+                </a:ln>
+                <a:solidFill>
+                  <a:srgbClr val="808080"/>
+                </a:solidFill>
+                <a:effectLst/>
+                <a:latin typeface="Consolas" panose="020B0609020204030204" pitchFamily="49" charset="0"/>
+              </a:rPr>
+            </a:br>
+            <a:r>
+              <a:rPr kumimoji="0" lang="zh-CN" altLang="zh-CN" sz="1400" b="1" i="1" u="none" strike="noStrike" cap="none" normalizeH="0" baseline="0">
+                <a:ln>
+                  <a:noFill/>
+                </a:ln>
+                <a:solidFill>
+                  <a:srgbClr val="660E7A"/>
+                </a:solidFill>
+                <a:effectLst/>
+                <a:latin typeface="Consolas" panose="020B0609020204030204" pitchFamily="49" charset="0"/>
+              </a:rPr>
+              <a:t>d</a:t>
+            </a:r>
+            <a:r>
+              <a:rPr kumimoji="0" lang="zh-CN" altLang="zh-CN" sz="1400" b="0" i="0" u="none" strike="noStrike" cap="none" normalizeH="0" baseline="0">
+                <a:ln>
+                  <a:noFill/>
+                </a:ln>
+                <a:solidFill>
+                  <a:srgbClr val="000000"/>
+                </a:solidFill>
+                <a:effectLst/>
+                <a:latin typeface="Consolas" panose="020B0609020204030204" pitchFamily="49" charset="0"/>
+              </a:rPr>
+              <a:t>.</a:t>
+            </a:r>
+            <a:r>
+              <a:rPr kumimoji="0" lang="zh-CN" altLang="zh-CN" sz="1400" b="0" i="0" u="none" strike="noStrike" cap="none" normalizeH="0" baseline="0">
+                <a:ln>
+                  <a:noFill/>
+                </a:ln>
+                <a:solidFill>
+                  <a:srgbClr val="7A7A43"/>
+                </a:solidFill>
+                <a:effectLst/>
+                <a:latin typeface="Consolas" panose="020B0609020204030204" pitchFamily="49" charset="0"/>
+              </a:rPr>
+              <a:t>test2</a:t>
+            </a:r>
+            <a:r>
+              <a:rPr kumimoji="0" lang="zh-CN" altLang="zh-CN" sz="1400" b="0" i="0" u="none" strike="noStrike" cap="none" normalizeH="0" baseline="0">
+                <a:ln>
+                  <a:noFill/>
+                </a:ln>
+                <a:solidFill>
+                  <a:srgbClr val="000000"/>
+                </a:solidFill>
+                <a:effectLst/>
+                <a:latin typeface="Consolas" panose="020B0609020204030204" pitchFamily="49" charset="0"/>
+              </a:rPr>
+              <a:t>(</a:t>
+            </a:r>
+            <a:r>
+              <a:rPr kumimoji="0" lang="en-US" altLang="zh-CN" sz="1400" b="0" i="0" u="none" strike="noStrike" cap="none" normalizeH="0" baseline="0">
+                <a:ln>
+                  <a:noFill/>
+                </a:ln>
+                <a:solidFill>
+                  <a:srgbClr val="000000"/>
+                </a:solidFill>
+                <a:effectLst/>
+                <a:latin typeface="Consolas" panose="020B0609020204030204" pitchFamily="49" charset="0"/>
+              </a:rPr>
+              <a:t>)</a:t>
+            </a:r>
+            <a:br>
+              <a:rPr kumimoji="0" lang="zh-CN" altLang="zh-CN" sz="1400" b="0" i="0" u="none" strike="noStrike" cap="none" normalizeH="0" baseline="0">
+                <a:ln>
+                  <a:noFill/>
+                </a:ln>
+                <a:solidFill>
+                  <a:srgbClr val="000000"/>
+                </a:solidFill>
+                <a:effectLst/>
+                <a:latin typeface="Consolas" panose="020B0609020204030204" pitchFamily="49" charset="0"/>
+              </a:rPr>
+            </a:br>
+            <a:r>
+              <a:rPr kumimoji="0" lang="zh-CN" altLang="zh-CN" sz="1400" b="1" i="0" u="none" strike="noStrike" cap="none" normalizeH="0" baseline="0">
+                <a:ln>
+                  <a:noFill/>
+                </a:ln>
+                <a:solidFill>
+                  <a:srgbClr val="660E7A"/>
+                </a:solidFill>
+                <a:effectLst/>
+                <a:latin typeface="Consolas" panose="020B0609020204030204" pitchFamily="49" charset="0"/>
+              </a:rPr>
+              <a:t>console</a:t>
+            </a:r>
+            <a:r>
+              <a:rPr kumimoji="0" lang="zh-CN" altLang="zh-CN" sz="1400" b="0" i="0" u="none" strike="noStrike" cap="none" normalizeH="0" baseline="0">
+                <a:ln>
+                  <a:noFill/>
+                </a:ln>
+                <a:solidFill>
+                  <a:srgbClr val="000000"/>
+                </a:solidFill>
+                <a:effectLst/>
+                <a:latin typeface="Consolas" panose="020B0609020204030204" pitchFamily="49" charset="0"/>
+              </a:rPr>
+              <a:t>.</a:t>
+            </a:r>
+            <a:r>
+              <a:rPr kumimoji="0" lang="zh-CN" altLang="zh-CN" sz="1400" b="0" i="0" u="none" strike="noStrike" cap="none" normalizeH="0" baseline="0">
+                <a:ln>
+                  <a:noFill/>
+                </a:ln>
+                <a:solidFill>
+                  <a:srgbClr val="7A7A43"/>
+                </a:solidFill>
+                <a:effectLst/>
+                <a:latin typeface="Consolas" panose="020B0609020204030204" pitchFamily="49" charset="0"/>
+              </a:rPr>
+              <a:t>log</a:t>
+            </a:r>
+            <a:r>
+              <a:rPr kumimoji="0" lang="zh-CN" altLang="zh-CN" sz="1400" b="0" i="0" u="none" strike="noStrike" cap="none" normalizeH="0" baseline="0">
+                <a:ln>
+                  <a:noFill/>
+                </a:ln>
+                <a:solidFill>
+                  <a:srgbClr val="000000"/>
+                </a:solidFill>
+                <a:effectLst/>
+                <a:latin typeface="Consolas" panose="020B0609020204030204" pitchFamily="49" charset="0"/>
+              </a:rPr>
+              <a:t>(</a:t>
+            </a:r>
+            <a:r>
+              <a:rPr kumimoji="0" lang="zh-CN" altLang="zh-CN" sz="1400" b="1" i="1" u="none" strike="noStrike" cap="none" normalizeH="0" baseline="0">
+                <a:ln>
+                  <a:noFill/>
+                </a:ln>
+                <a:solidFill>
+                  <a:srgbClr val="660E7A"/>
+                </a:solidFill>
+                <a:effectLst/>
+                <a:latin typeface="Consolas" panose="020B0609020204030204" pitchFamily="49" charset="0"/>
+              </a:rPr>
+              <a:t>d</a:t>
+            </a:r>
+            <a:r>
+              <a:rPr kumimoji="0" lang="zh-CN" altLang="zh-CN" sz="1400" b="0" i="0" u="none" strike="noStrike" cap="none" normalizeH="0" baseline="0">
+                <a:ln>
+                  <a:noFill/>
+                </a:ln>
+                <a:solidFill>
+                  <a:srgbClr val="000000"/>
+                </a:solidFill>
+                <a:effectLst/>
+                <a:latin typeface="Consolas" panose="020B0609020204030204" pitchFamily="49" charset="0"/>
+              </a:rPr>
+              <a:t>.</a:t>
+            </a:r>
+            <a:r>
+              <a:rPr kumimoji="0" lang="zh-CN" altLang="zh-CN" sz="1400" b="0" i="0" u="none" strike="noStrike" cap="none" normalizeH="0" baseline="0">
+                <a:ln>
+                  <a:noFill/>
+                </a:ln>
+                <a:solidFill>
+                  <a:srgbClr val="7A7A43"/>
+                </a:solidFill>
+                <a:effectLst/>
+                <a:latin typeface="Consolas" panose="020B0609020204030204" pitchFamily="49" charset="0"/>
+              </a:rPr>
+              <a:t>toString</a:t>
+            </a:r>
+            <a:r>
+              <a:rPr kumimoji="0" lang="zh-CN" altLang="zh-CN" sz="1400" b="0" i="0" u="none" strike="noStrike" cap="none" normalizeH="0" baseline="0">
+                <a:ln>
+                  <a:noFill/>
+                </a:ln>
+                <a:solidFill>
+                  <a:srgbClr val="000000"/>
+                </a:solidFill>
+                <a:effectLst/>
+                <a:latin typeface="Consolas" panose="020B0609020204030204" pitchFamily="49" charset="0"/>
+              </a:rPr>
+              <a:t>());</a:t>
+            </a:r>
+            <a:endParaRPr kumimoji="0" lang="en-US" altLang="zh-CN" sz="1400" b="0" i="0" u="none" strike="noStrike" cap="none" normalizeH="0" baseline="0">
+              <a:ln>
+                <a:noFill/>
+              </a:ln>
+              <a:solidFill>
+                <a:srgbClr val="000000"/>
+              </a:solidFill>
+              <a:effectLst/>
+              <a:latin typeface="Consolas" panose="020B0609020204030204" pitchFamily="49" charset="0"/>
+            </a:endParaRPr>
+          </a:p>
+          <a:p>
+            <a:pPr marL="0" marR="0" lvl="0" indent="0" algn="l" defTabSz="914400" rtl="0" eaLnBrk="0" fontAlgn="base" latinLnBrk="0" hangingPunct="0">
+              <a:lnSpc>
+                <a:spcPct val="100000"/>
+              </a:lnSpc>
+              <a:spcBef>
+                <a:spcPct val="0"/>
+              </a:spcBef>
+              <a:spcAft>
+                <a:spcPct val="0"/>
+              </a:spcAft>
+              <a:buClrTx/>
+              <a:buSzTx/>
+              <a:buFontTx/>
+              <a:buNone/>
+              <a:tabLst/>
+            </a:pPr>
+            <a:br>
+              <a:rPr kumimoji="0" lang="zh-CN" altLang="zh-CN" sz="1400" b="0" i="1" u="none" strike="noStrike" cap="none" normalizeH="0" baseline="0">
+                <a:ln>
+                  <a:noFill/>
+                </a:ln>
+                <a:solidFill>
+                  <a:srgbClr val="808080"/>
+                </a:solidFill>
+                <a:effectLst/>
+                <a:latin typeface="Consolas" panose="020B0609020204030204" pitchFamily="49" charset="0"/>
+              </a:rPr>
+            </a:br>
+            <a:r>
+              <a:rPr kumimoji="0" lang="zh-CN" altLang="zh-CN" sz="1400" b="1" i="0" u="none" strike="noStrike" cap="none" normalizeH="0" baseline="0">
+                <a:ln>
+                  <a:noFill/>
+                </a:ln>
+                <a:solidFill>
+                  <a:srgbClr val="660E7A"/>
+                </a:solidFill>
+                <a:effectLst/>
+                <a:latin typeface="Consolas" panose="020B0609020204030204" pitchFamily="49" charset="0"/>
+              </a:rPr>
+              <a:t>console</a:t>
+            </a:r>
+            <a:r>
+              <a:rPr kumimoji="0" lang="zh-CN" altLang="zh-CN" sz="1400" b="0" i="0" u="none" strike="noStrike" cap="none" normalizeH="0" baseline="0">
+                <a:ln>
+                  <a:noFill/>
+                </a:ln>
+                <a:solidFill>
+                  <a:srgbClr val="000000"/>
+                </a:solidFill>
+                <a:effectLst/>
+                <a:latin typeface="Consolas" panose="020B0609020204030204" pitchFamily="49" charset="0"/>
+              </a:rPr>
+              <a:t>.</a:t>
+            </a:r>
+            <a:r>
+              <a:rPr kumimoji="0" lang="zh-CN" altLang="zh-CN" sz="1400" b="0" i="0" u="none" strike="noStrike" cap="none" normalizeH="0" baseline="0">
+                <a:ln>
+                  <a:noFill/>
+                </a:ln>
+                <a:solidFill>
+                  <a:srgbClr val="7A7A43"/>
+                </a:solidFill>
+                <a:effectLst/>
+                <a:latin typeface="Consolas" panose="020B0609020204030204" pitchFamily="49" charset="0"/>
+              </a:rPr>
+              <a:t>log</a:t>
+            </a:r>
+            <a:r>
+              <a:rPr kumimoji="0" lang="zh-CN" altLang="zh-CN" sz="1400" b="0" i="0" u="none" strike="noStrike" cap="none" normalizeH="0" baseline="0">
+                <a:ln>
+                  <a:noFill/>
+                </a:ln>
+                <a:solidFill>
+                  <a:srgbClr val="000000"/>
+                </a:solidFill>
+                <a:effectLst/>
+                <a:latin typeface="Consolas" panose="020B0609020204030204" pitchFamily="49" charset="0"/>
+              </a:rPr>
+              <a:t>(Object.</a:t>
+            </a:r>
+            <a:r>
+              <a:rPr kumimoji="0" lang="zh-CN" altLang="zh-CN" sz="1400" b="1" i="0" u="none" strike="noStrike" cap="none" normalizeH="0" baseline="0">
+                <a:ln>
+                  <a:noFill/>
+                </a:ln>
+                <a:solidFill>
+                  <a:srgbClr val="660E7A"/>
+                </a:solidFill>
+                <a:effectLst/>
+                <a:latin typeface="Consolas" panose="020B0609020204030204" pitchFamily="49" charset="0"/>
+              </a:rPr>
+              <a:t>prototype</a:t>
+            </a:r>
+            <a:r>
+              <a:rPr kumimoji="0" lang="zh-CN" altLang="zh-CN" sz="1400" b="0" i="0" u="none" strike="noStrike" cap="none" normalizeH="0" baseline="0">
+                <a:ln>
+                  <a:noFill/>
+                </a:ln>
+                <a:solidFill>
+                  <a:srgbClr val="000000"/>
+                </a:solidFill>
+                <a:effectLst/>
+                <a:latin typeface="Consolas" panose="020B0609020204030204" pitchFamily="49" charset="0"/>
+              </a:rPr>
+              <a:t>.</a:t>
+            </a:r>
+            <a:r>
+              <a:rPr kumimoji="0" lang="zh-CN" altLang="zh-CN" sz="1400" b="0" i="0" u="none" strike="noStrike" cap="none" normalizeH="0" baseline="0">
+                <a:ln>
+                  <a:noFill/>
+                </a:ln>
+                <a:solidFill>
+                  <a:srgbClr val="7A7A43"/>
+                </a:solidFill>
+                <a:effectLst/>
+                <a:latin typeface="Consolas" panose="020B0609020204030204" pitchFamily="49" charset="0"/>
+              </a:rPr>
+              <a:t>__proto__ </a:t>
+            </a:r>
+            <a:r>
+              <a:rPr kumimoji="0" lang="zh-CN" altLang="zh-CN" sz="1400" b="0" i="0" u="none" strike="noStrike" cap="none" normalizeH="0" baseline="0">
+                <a:ln>
+                  <a:noFill/>
+                </a:ln>
+                <a:solidFill>
+                  <a:srgbClr val="000000"/>
+                </a:solidFill>
+                <a:effectLst/>
+                <a:latin typeface="Consolas" panose="020B0609020204030204" pitchFamily="49" charset="0"/>
+              </a:rPr>
+              <a:t>=== </a:t>
+            </a:r>
+            <a:r>
+              <a:rPr kumimoji="0" lang="zh-CN" altLang="zh-CN" sz="1400" b="1" i="0" u="none" strike="noStrike" cap="none" normalizeH="0" baseline="0">
+                <a:ln>
+                  <a:noFill/>
+                </a:ln>
+                <a:solidFill>
+                  <a:srgbClr val="000080"/>
+                </a:solidFill>
+                <a:effectLst/>
+                <a:latin typeface="Consolas" panose="020B0609020204030204" pitchFamily="49" charset="0"/>
+              </a:rPr>
+              <a:t>null</a:t>
+            </a:r>
+            <a:r>
+              <a:rPr kumimoji="0" lang="zh-CN" altLang="zh-CN" sz="1400" b="0" i="0" u="none" strike="noStrike" cap="none" normalizeH="0" baseline="0">
+                <a:ln>
+                  <a:noFill/>
+                </a:ln>
+                <a:solidFill>
+                  <a:srgbClr val="000000"/>
+                </a:solidFill>
+                <a:effectLst/>
+                <a:latin typeface="Consolas" panose="020B0609020204030204" pitchFamily="49" charset="0"/>
+              </a:rPr>
+              <a:t>)</a:t>
+            </a:r>
+            <a:br>
+              <a:rPr kumimoji="0" lang="zh-CN" altLang="zh-CN" sz="1400" b="0" i="0" u="none" strike="noStrike" cap="none" normalizeH="0" baseline="0">
+                <a:ln>
+                  <a:noFill/>
+                </a:ln>
+                <a:solidFill>
+                  <a:srgbClr val="000000"/>
+                </a:solidFill>
+                <a:effectLst/>
+                <a:latin typeface="Consolas" panose="020B0609020204030204" pitchFamily="49" charset="0"/>
+              </a:rPr>
+            </a:br>
+            <a:endParaRPr kumimoji="0" lang="zh-CN" altLang="zh-CN" sz="1800" b="0" i="0" u="none" strike="noStrike" cap="none" normalizeH="0" baseline="0">
+              <a:ln>
+                <a:noFill/>
+              </a:ln>
+              <a:solidFill>
+                <a:schemeClr val="tx1"/>
+              </a:solidFill>
+              <a:effectLst/>
+              <a:latin typeface="Arial" panose="020B0604020202020204" pitchFamily="34" charset="0"/>
+            </a:endParaRPr>
+          </a:p>
+        </p:txBody>
+      </p:sp>
+      <p:sp>
+        <p:nvSpPr>
+          <p:cNvPr id="22" name="矩形 21">
+            <a:extLst>
+              <a:ext uri="{FF2B5EF4-FFF2-40B4-BE49-F238E27FC236}">
+                <a16:creationId xmlns:a16="http://schemas.microsoft.com/office/drawing/2014/main" id="{D51DE438-381B-44D4-85CA-F7D7B6C2EFD6}"/>
+              </a:ext>
+            </a:extLst>
+          </p:cNvPr>
+          <p:cNvSpPr/>
+          <p:nvPr/>
+        </p:nvSpPr>
+        <p:spPr>
+          <a:xfrm>
+            <a:off x="3703444" y="796622"/>
+            <a:ext cx="2243404" cy="5897959"/>
+          </a:xfrm>
+          <a:prstGeom prst="rect">
+            <a:avLst/>
+          </a:prstGeom>
+        </p:spPr>
+        <p:style>
+          <a:lnRef idx="1">
+            <a:schemeClr val="accent6"/>
+          </a:lnRef>
+          <a:fillRef idx="2">
+            <a:schemeClr val="accent6"/>
+          </a:fillRef>
+          <a:effectRef idx="1">
+            <a:schemeClr val="accent6"/>
+          </a:effectRef>
+          <a:fontRef idx="minor">
+            <a:schemeClr val="dk1"/>
+          </a:fontRef>
+        </p:style>
+        <p:txBody>
+          <a:bodyPr rtlCol="0" anchor="ctr"/>
+          <a:lstStyle/>
+          <a:p>
+            <a:pPr algn="ctr"/>
+            <a:endParaRPr lang="zh-CN" altLang="en-US"/>
+          </a:p>
+        </p:txBody>
+      </p:sp>
+      <p:sp>
+        <p:nvSpPr>
+          <p:cNvPr id="21" name="矩形 20">
+            <a:extLst>
+              <a:ext uri="{FF2B5EF4-FFF2-40B4-BE49-F238E27FC236}">
+                <a16:creationId xmlns:a16="http://schemas.microsoft.com/office/drawing/2014/main" id="{2702D918-312B-4636-A627-79F50F63083C}"/>
+              </a:ext>
+            </a:extLst>
+          </p:cNvPr>
+          <p:cNvSpPr/>
+          <p:nvPr/>
+        </p:nvSpPr>
+        <p:spPr>
+          <a:xfrm>
+            <a:off x="6970950" y="796622"/>
+            <a:ext cx="4972403" cy="5925330"/>
+          </a:xfrm>
+          <a:prstGeom prst="rect">
+            <a:avLst/>
+          </a:prstGeom>
+        </p:spPr>
+        <p:style>
+          <a:lnRef idx="0">
+            <a:schemeClr val="accent5"/>
+          </a:lnRef>
+          <a:fillRef idx="3">
+            <a:schemeClr val="accent5"/>
+          </a:fillRef>
+          <a:effectRef idx="3">
+            <a:schemeClr val="accent5"/>
+          </a:effectRef>
+          <a:fontRef idx="minor">
+            <a:schemeClr val="lt1"/>
+          </a:fontRef>
+        </p:style>
+        <p:txBody>
+          <a:bodyPr rtlCol="0" anchor="ctr"/>
+          <a:lstStyle/>
+          <a:p>
+            <a:pPr algn="ctr"/>
+            <a:endParaRPr lang="zh-CN" altLang="en-US"/>
+          </a:p>
+        </p:txBody>
+      </p:sp>
+      <p:sp>
+        <p:nvSpPr>
+          <p:cNvPr id="6" name="文本框 5">
+            <a:extLst>
+              <a:ext uri="{FF2B5EF4-FFF2-40B4-BE49-F238E27FC236}">
+                <a16:creationId xmlns:a16="http://schemas.microsoft.com/office/drawing/2014/main" id="{2744D0EC-598A-443C-B9A8-EA40EDFA40B6}"/>
+              </a:ext>
+            </a:extLst>
+          </p:cNvPr>
+          <p:cNvSpPr txBox="1"/>
+          <p:nvPr/>
+        </p:nvSpPr>
+        <p:spPr>
+          <a:xfrm>
+            <a:off x="4386564" y="339585"/>
+            <a:ext cx="877163" cy="369332"/>
+          </a:xfrm>
+          <a:prstGeom prst="rect">
+            <a:avLst/>
+          </a:prstGeom>
+          <a:noFill/>
+        </p:spPr>
+        <p:txBody>
+          <a:bodyPr wrap="none" rtlCol="0">
+            <a:spAutoFit/>
+          </a:bodyPr>
+          <a:lstStyle/>
+          <a:p>
+            <a:r>
+              <a:rPr lang="zh-CN" altLang="en-US"/>
+              <a:t>栈内存</a:t>
+            </a:r>
+          </a:p>
+        </p:txBody>
+      </p:sp>
+      <p:sp>
+        <p:nvSpPr>
+          <p:cNvPr id="7" name="文本框 6">
+            <a:extLst>
+              <a:ext uri="{FF2B5EF4-FFF2-40B4-BE49-F238E27FC236}">
+                <a16:creationId xmlns:a16="http://schemas.microsoft.com/office/drawing/2014/main" id="{9369C4A2-8A2F-4245-9537-D482714F8C3A}"/>
+              </a:ext>
+            </a:extLst>
+          </p:cNvPr>
+          <p:cNvSpPr txBox="1"/>
+          <p:nvPr/>
+        </p:nvSpPr>
+        <p:spPr>
+          <a:xfrm>
+            <a:off x="9097922" y="366955"/>
+            <a:ext cx="877163" cy="369332"/>
+          </a:xfrm>
+          <a:prstGeom prst="rect">
+            <a:avLst/>
+          </a:prstGeom>
+          <a:noFill/>
+        </p:spPr>
+        <p:txBody>
+          <a:bodyPr wrap="none" rtlCol="0">
+            <a:spAutoFit/>
+          </a:bodyPr>
+          <a:lstStyle/>
+          <a:p>
+            <a:r>
+              <a:rPr lang="zh-CN" altLang="en-US"/>
+              <a:t>堆内存</a:t>
+            </a:r>
+          </a:p>
+        </p:txBody>
+      </p:sp>
+      <p:sp>
+        <p:nvSpPr>
+          <p:cNvPr id="9" name="矩形 8">
+            <a:extLst>
+              <a:ext uri="{FF2B5EF4-FFF2-40B4-BE49-F238E27FC236}">
+                <a16:creationId xmlns:a16="http://schemas.microsoft.com/office/drawing/2014/main" id="{AF61A998-F1AF-4AE0-BCD2-9A100C8A358F}"/>
+              </a:ext>
+            </a:extLst>
+          </p:cNvPr>
+          <p:cNvSpPr/>
+          <p:nvPr/>
+        </p:nvSpPr>
+        <p:spPr>
+          <a:xfrm>
+            <a:off x="3918575" y="5152581"/>
+            <a:ext cx="1661885" cy="1344059"/>
+          </a:xfrm>
+          <a:prstGeom prst="rect">
+            <a:avLst/>
+          </a:prstGeom>
+          <a:solidFill>
+            <a:srgbClr val="FFC000"/>
+          </a:solidFill>
+        </p:spPr>
+        <p:style>
+          <a:lnRef idx="2">
+            <a:schemeClr val="accent1">
+              <a:shade val="50000"/>
+            </a:schemeClr>
+          </a:lnRef>
+          <a:fillRef idx="1">
+            <a:schemeClr val="accent1"/>
+          </a:fillRef>
+          <a:effectRef idx="0">
+            <a:schemeClr val="accent1"/>
+          </a:effectRef>
+          <a:fontRef idx="minor">
+            <a:schemeClr val="lt1"/>
+          </a:fontRef>
+        </p:style>
+        <p:txBody>
+          <a:bodyPr rtlCol="0" anchor="ctr"/>
+          <a:lstStyle/>
+          <a:p>
+            <a:pPr algn="ctr"/>
+            <a:endParaRPr lang="zh-CN" altLang="en-US">
+              <a:solidFill>
+                <a:schemeClr val="lt1"/>
+              </a:solidFill>
+            </a:endParaRPr>
+          </a:p>
+        </p:txBody>
+      </p:sp>
+      <p:sp>
+        <p:nvSpPr>
+          <p:cNvPr id="11" name="矩形 10">
+            <a:extLst>
+              <a:ext uri="{FF2B5EF4-FFF2-40B4-BE49-F238E27FC236}">
+                <a16:creationId xmlns:a16="http://schemas.microsoft.com/office/drawing/2014/main" id="{8CD68022-18A1-40E1-A7B4-C742416AD4B0}"/>
+              </a:ext>
+            </a:extLst>
+          </p:cNvPr>
+          <p:cNvSpPr/>
+          <p:nvPr/>
+        </p:nvSpPr>
+        <p:spPr>
+          <a:xfrm>
+            <a:off x="4042411" y="5591925"/>
+            <a:ext cx="1414211" cy="807268"/>
+          </a:xfrm>
+          <a:prstGeom prst="rect">
+            <a:avLst/>
+          </a:prstGeom>
+          <a:solidFill>
+            <a:schemeClr val="accent1">
+              <a:lumMod val="60000"/>
+              <a:lumOff val="40000"/>
+            </a:schemeClr>
+          </a:solidFill>
+          <a:ln>
+            <a:solidFill>
+              <a:schemeClr val="tx1"/>
+            </a:solidFill>
+          </a:ln>
+        </p:spPr>
+        <p:style>
+          <a:lnRef idx="2">
+            <a:schemeClr val="accent1">
+              <a:shade val="50000"/>
+            </a:schemeClr>
+          </a:lnRef>
+          <a:fillRef idx="1">
+            <a:schemeClr val="accent1"/>
+          </a:fillRef>
+          <a:effectRef idx="0">
+            <a:schemeClr val="accent1"/>
+          </a:effectRef>
+          <a:fontRef idx="minor">
+            <a:schemeClr val="lt1"/>
+          </a:fontRef>
+        </p:style>
+        <p:txBody>
+          <a:bodyPr rtlCol="0" anchor="ctr"/>
+          <a:lstStyle/>
+          <a:p>
+            <a:pPr algn="ctr"/>
+            <a:r>
+              <a:rPr lang="en-US" altLang="zh-CN">
+                <a:solidFill>
+                  <a:schemeClr val="tx1"/>
+                </a:solidFill>
+              </a:rPr>
+              <a:t>0x123</a:t>
+            </a:r>
+            <a:endParaRPr lang="zh-CN" altLang="en-US">
+              <a:solidFill>
+                <a:schemeClr val="tx1"/>
+              </a:solidFill>
+            </a:endParaRPr>
+          </a:p>
+        </p:txBody>
+      </p:sp>
+      <p:sp>
+        <p:nvSpPr>
+          <p:cNvPr id="12" name="矩形 11">
+            <a:extLst>
+              <a:ext uri="{FF2B5EF4-FFF2-40B4-BE49-F238E27FC236}">
+                <a16:creationId xmlns:a16="http://schemas.microsoft.com/office/drawing/2014/main" id="{0EDC930B-329E-4B03-8D23-ACF6B74B2DC4}"/>
+              </a:ext>
+            </a:extLst>
+          </p:cNvPr>
+          <p:cNvSpPr/>
+          <p:nvPr/>
+        </p:nvSpPr>
+        <p:spPr>
+          <a:xfrm>
+            <a:off x="4038001" y="5208571"/>
+            <a:ext cx="1414210" cy="295648"/>
+          </a:xfrm>
+          <a:prstGeom prst="rect">
+            <a:avLst/>
+          </a:prstGeom>
+          <a:solidFill>
+            <a:schemeClr val="bg2">
+              <a:lumMod val="90000"/>
+            </a:schemeClr>
+          </a:solidFill>
+          <a:ln>
+            <a:solidFill>
+              <a:schemeClr val="tx1"/>
+            </a:solidFill>
+          </a:ln>
+        </p:spPr>
+        <p:style>
+          <a:lnRef idx="2">
+            <a:schemeClr val="accent1">
+              <a:shade val="50000"/>
+            </a:schemeClr>
+          </a:lnRef>
+          <a:fillRef idx="1">
+            <a:schemeClr val="accent1"/>
+          </a:fillRef>
+          <a:effectRef idx="0">
+            <a:schemeClr val="accent1"/>
+          </a:effectRef>
+          <a:fontRef idx="minor">
+            <a:schemeClr val="lt1"/>
+          </a:fontRef>
+        </p:style>
+        <p:txBody>
+          <a:bodyPr rtlCol="0" anchor="ctr"/>
+          <a:lstStyle/>
+          <a:p>
+            <a:pPr algn="ctr"/>
+            <a:r>
+              <a:rPr lang="en-US" altLang="zh-CN">
+                <a:solidFill>
+                  <a:schemeClr val="tx1"/>
+                </a:solidFill>
+              </a:rPr>
+              <a:t>0x111</a:t>
+            </a:r>
+            <a:endParaRPr lang="zh-CN" altLang="en-US">
+              <a:solidFill>
+                <a:schemeClr val="tx1"/>
+              </a:solidFill>
+            </a:endParaRPr>
+          </a:p>
+        </p:txBody>
+      </p:sp>
+      <p:sp>
+        <p:nvSpPr>
+          <p:cNvPr id="19" name="文本框 18">
+            <a:extLst>
+              <a:ext uri="{FF2B5EF4-FFF2-40B4-BE49-F238E27FC236}">
+                <a16:creationId xmlns:a16="http://schemas.microsoft.com/office/drawing/2014/main" id="{119DC822-5EFC-4C8C-BAE9-07FBDD9A3354}"/>
+              </a:ext>
+            </a:extLst>
+          </p:cNvPr>
+          <p:cNvSpPr txBox="1"/>
+          <p:nvPr/>
+        </p:nvSpPr>
+        <p:spPr>
+          <a:xfrm>
+            <a:off x="3778331" y="4787877"/>
+            <a:ext cx="620683" cy="276999"/>
+          </a:xfrm>
+          <a:prstGeom prst="rect">
+            <a:avLst/>
+          </a:prstGeom>
+          <a:noFill/>
+        </p:spPr>
+        <p:txBody>
+          <a:bodyPr wrap="none" rtlCol="0">
+            <a:spAutoFit/>
+          </a:bodyPr>
+          <a:lstStyle/>
+          <a:p>
+            <a:r>
+              <a:rPr lang="en-US" altLang="zh-CN" sz="1200"/>
+              <a:t>Object</a:t>
+            </a:r>
+            <a:endParaRPr lang="zh-CN" altLang="en-US" sz="1200"/>
+          </a:p>
+        </p:txBody>
+      </p:sp>
+      <p:cxnSp>
+        <p:nvCxnSpPr>
+          <p:cNvPr id="30" name="直接箭头连接符 29">
+            <a:extLst>
+              <a:ext uri="{FF2B5EF4-FFF2-40B4-BE49-F238E27FC236}">
+                <a16:creationId xmlns:a16="http://schemas.microsoft.com/office/drawing/2014/main" id="{EE60125A-4643-4F73-B40A-5B3D817E5E20}"/>
+              </a:ext>
+            </a:extLst>
+          </p:cNvPr>
+          <p:cNvCxnSpPr>
+            <a:cxnSpLocks/>
+          </p:cNvCxnSpPr>
+          <p:nvPr/>
+        </p:nvCxnSpPr>
+        <p:spPr>
+          <a:xfrm>
+            <a:off x="5795591" y="5911464"/>
+            <a:ext cx="1285413" cy="1"/>
+          </a:xfrm>
+          <a:prstGeom prst="straightConnector1">
+            <a:avLst/>
+          </a:prstGeom>
+          <a:ln w="38100">
+            <a:solidFill>
+              <a:schemeClr val="tx1"/>
+            </a:solidFill>
+            <a:tailEnd type="triangle"/>
+          </a:ln>
+        </p:spPr>
+        <p:style>
+          <a:lnRef idx="1">
+            <a:schemeClr val="accent1"/>
+          </a:lnRef>
+          <a:fillRef idx="0">
+            <a:schemeClr val="accent1"/>
+          </a:fillRef>
+          <a:effectRef idx="0">
+            <a:schemeClr val="accent1"/>
+          </a:effectRef>
+          <a:fontRef idx="minor">
+            <a:schemeClr val="tx1"/>
+          </a:fontRef>
+        </p:style>
+      </p:cxnSp>
+      <p:sp>
+        <p:nvSpPr>
+          <p:cNvPr id="57" name="文本框 56">
+            <a:extLst>
+              <a:ext uri="{FF2B5EF4-FFF2-40B4-BE49-F238E27FC236}">
+                <a16:creationId xmlns:a16="http://schemas.microsoft.com/office/drawing/2014/main" id="{37350C5A-BFCC-49D5-938B-5F79FB08AC90}"/>
+              </a:ext>
+            </a:extLst>
+          </p:cNvPr>
+          <p:cNvSpPr txBox="1"/>
+          <p:nvPr/>
+        </p:nvSpPr>
+        <p:spPr>
+          <a:xfrm>
+            <a:off x="5921275" y="84524"/>
+            <a:ext cx="2031325" cy="369332"/>
+          </a:xfrm>
+          <a:prstGeom prst="rect">
+            <a:avLst/>
+          </a:prstGeom>
+          <a:noFill/>
+        </p:spPr>
+        <p:txBody>
+          <a:bodyPr wrap="none" rtlCol="0">
+            <a:spAutoFit/>
+          </a:bodyPr>
+          <a:lstStyle/>
+          <a:p>
+            <a:r>
+              <a:rPr lang="zh-CN" altLang="en-US" b="1"/>
+              <a:t>原型链内存分析图</a:t>
+            </a:r>
+          </a:p>
+        </p:txBody>
+      </p:sp>
+      <p:sp>
+        <p:nvSpPr>
+          <p:cNvPr id="50" name="矩形 49">
+            <a:extLst>
+              <a:ext uri="{FF2B5EF4-FFF2-40B4-BE49-F238E27FC236}">
+                <a16:creationId xmlns:a16="http://schemas.microsoft.com/office/drawing/2014/main" id="{BFEBA9A4-6B8E-402E-85D6-8FC3888BC603}"/>
+              </a:ext>
+            </a:extLst>
+          </p:cNvPr>
+          <p:cNvSpPr/>
+          <p:nvPr/>
+        </p:nvSpPr>
+        <p:spPr>
+          <a:xfrm>
+            <a:off x="7274164" y="5152581"/>
+            <a:ext cx="1661885" cy="1344059"/>
+          </a:xfrm>
+          <a:prstGeom prst="rect">
+            <a:avLst/>
+          </a:prstGeom>
+          <a:solidFill>
+            <a:srgbClr val="FFC000"/>
+          </a:solidFill>
+        </p:spPr>
+        <p:style>
+          <a:lnRef idx="2">
+            <a:schemeClr val="accent1">
+              <a:shade val="50000"/>
+            </a:schemeClr>
+          </a:lnRef>
+          <a:fillRef idx="1">
+            <a:schemeClr val="accent1"/>
+          </a:fillRef>
+          <a:effectRef idx="0">
+            <a:schemeClr val="accent1"/>
+          </a:effectRef>
+          <a:fontRef idx="minor">
+            <a:schemeClr val="lt1"/>
+          </a:fontRef>
+        </p:style>
+        <p:txBody>
+          <a:bodyPr rtlCol="0" anchor="ctr"/>
+          <a:lstStyle/>
+          <a:p>
+            <a:pPr algn="ctr"/>
+            <a:endParaRPr lang="zh-CN" altLang="en-US">
+              <a:solidFill>
+                <a:schemeClr val="lt1"/>
+              </a:solidFill>
+            </a:endParaRPr>
+          </a:p>
+        </p:txBody>
+      </p:sp>
+      <p:sp>
+        <p:nvSpPr>
+          <p:cNvPr id="51" name="矩形 50">
+            <a:extLst>
+              <a:ext uri="{FF2B5EF4-FFF2-40B4-BE49-F238E27FC236}">
+                <a16:creationId xmlns:a16="http://schemas.microsoft.com/office/drawing/2014/main" id="{BEA35923-0A9B-4332-9BF8-1FF252D8B677}"/>
+              </a:ext>
+            </a:extLst>
+          </p:cNvPr>
+          <p:cNvSpPr/>
+          <p:nvPr/>
+        </p:nvSpPr>
+        <p:spPr>
+          <a:xfrm>
+            <a:off x="7398000" y="5591925"/>
+            <a:ext cx="1414211" cy="807268"/>
+          </a:xfrm>
+          <a:prstGeom prst="rect">
+            <a:avLst/>
+          </a:prstGeom>
+          <a:solidFill>
+            <a:schemeClr val="accent1">
+              <a:lumMod val="60000"/>
+              <a:lumOff val="40000"/>
+            </a:schemeClr>
+          </a:solidFill>
+          <a:ln>
+            <a:solidFill>
+              <a:schemeClr val="tx1"/>
+            </a:solidFill>
+          </a:ln>
+        </p:spPr>
+        <p:style>
+          <a:lnRef idx="2">
+            <a:schemeClr val="accent1">
+              <a:shade val="50000"/>
+            </a:schemeClr>
+          </a:lnRef>
+          <a:fillRef idx="1">
+            <a:schemeClr val="accent1"/>
+          </a:fillRef>
+          <a:effectRef idx="0">
+            <a:schemeClr val="accent1"/>
+          </a:effectRef>
+          <a:fontRef idx="minor">
+            <a:schemeClr val="lt1"/>
+          </a:fontRef>
+        </p:style>
+        <p:txBody>
+          <a:bodyPr rtlCol="0" anchor="ctr"/>
+          <a:lstStyle/>
+          <a:p>
+            <a:pPr algn="ctr"/>
+            <a:r>
+              <a:rPr lang="en-US" altLang="zh-CN" sz="1200" b="1">
+                <a:solidFill>
+                  <a:schemeClr val="tx1"/>
+                </a:solidFill>
+              </a:rPr>
+              <a:t>prototype:0x234</a:t>
+            </a:r>
+            <a:endParaRPr lang="zh-CN" altLang="en-US" sz="1200" b="1">
+              <a:solidFill>
+                <a:schemeClr val="tx1"/>
+              </a:solidFill>
+            </a:endParaRPr>
+          </a:p>
+        </p:txBody>
+      </p:sp>
+      <p:sp>
+        <p:nvSpPr>
+          <p:cNvPr id="52" name="矩形 51">
+            <a:extLst>
+              <a:ext uri="{FF2B5EF4-FFF2-40B4-BE49-F238E27FC236}">
+                <a16:creationId xmlns:a16="http://schemas.microsoft.com/office/drawing/2014/main" id="{4423311A-836B-4B06-B823-C74BDCF74BCD}"/>
+              </a:ext>
+            </a:extLst>
+          </p:cNvPr>
+          <p:cNvSpPr/>
+          <p:nvPr/>
+        </p:nvSpPr>
+        <p:spPr>
+          <a:xfrm>
+            <a:off x="7393590" y="5208571"/>
+            <a:ext cx="1414210" cy="295648"/>
+          </a:xfrm>
+          <a:prstGeom prst="rect">
+            <a:avLst/>
+          </a:prstGeom>
+          <a:solidFill>
+            <a:schemeClr val="bg2">
+              <a:lumMod val="90000"/>
+            </a:schemeClr>
+          </a:solidFill>
+          <a:ln>
+            <a:solidFill>
+              <a:schemeClr val="tx1"/>
+            </a:solidFill>
+          </a:ln>
+        </p:spPr>
+        <p:style>
+          <a:lnRef idx="2">
+            <a:schemeClr val="accent1">
+              <a:shade val="50000"/>
+            </a:schemeClr>
+          </a:lnRef>
+          <a:fillRef idx="1">
+            <a:schemeClr val="accent1"/>
+          </a:fillRef>
+          <a:effectRef idx="0">
+            <a:schemeClr val="accent1"/>
+          </a:effectRef>
+          <a:fontRef idx="minor">
+            <a:schemeClr val="lt1"/>
+          </a:fontRef>
+        </p:style>
+        <p:txBody>
+          <a:bodyPr rtlCol="0" anchor="ctr"/>
+          <a:lstStyle/>
+          <a:p>
+            <a:pPr algn="ctr"/>
+            <a:r>
+              <a:rPr lang="en-US" altLang="zh-CN">
+                <a:solidFill>
+                  <a:schemeClr val="tx1"/>
+                </a:solidFill>
+              </a:rPr>
+              <a:t>0x123</a:t>
+            </a:r>
+            <a:endParaRPr lang="zh-CN" altLang="en-US">
+              <a:solidFill>
+                <a:schemeClr val="tx1"/>
+              </a:solidFill>
+            </a:endParaRPr>
+          </a:p>
+        </p:txBody>
+      </p:sp>
+      <p:sp>
+        <p:nvSpPr>
+          <p:cNvPr id="53" name="文本框 52">
+            <a:extLst>
+              <a:ext uri="{FF2B5EF4-FFF2-40B4-BE49-F238E27FC236}">
+                <a16:creationId xmlns:a16="http://schemas.microsoft.com/office/drawing/2014/main" id="{39AA1373-0E2C-4329-9AF1-59DC29D54366}"/>
+              </a:ext>
+            </a:extLst>
+          </p:cNvPr>
+          <p:cNvSpPr txBox="1"/>
+          <p:nvPr/>
+        </p:nvSpPr>
+        <p:spPr>
+          <a:xfrm>
+            <a:off x="7393590" y="4831729"/>
+            <a:ext cx="1236236" cy="276999"/>
+          </a:xfrm>
+          <a:prstGeom prst="rect">
+            <a:avLst/>
+          </a:prstGeom>
+          <a:noFill/>
+        </p:spPr>
+        <p:txBody>
+          <a:bodyPr wrap="none" rtlCol="0">
+            <a:spAutoFit/>
+          </a:bodyPr>
+          <a:lstStyle/>
+          <a:p>
+            <a:r>
+              <a:rPr lang="en-US" altLang="zh-CN" sz="1200"/>
+              <a:t>Object</a:t>
+            </a:r>
+            <a:r>
+              <a:rPr lang="zh-CN" altLang="en-US" sz="1200"/>
+              <a:t>函数对象</a:t>
+            </a:r>
+          </a:p>
+        </p:txBody>
+      </p:sp>
+      <p:sp>
+        <p:nvSpPr>
+          <p:cNvPr id="58" name="矩形 57">
+            <a:extLst>
+              <a:ext uri="{FF2B5EF4-FFF2-40B4-BE49-F238E27FC236}">
+                <a16:creationId xmlns:a16="http://schemas.microsoft.com/office/drawing/2014/main" id="{D6C039E7-9B9B-418E-A8E0-9B79A93FD65C}"/>
+              </a:ext>
+            </a:extLst>
+          </p:cNvPr>
+          <p:cNvSpPr/>
+          <p:nvPr/>
+        </p:nvSpPr>
+        <p:spPr>
+          <a:xfrm>
+            <a:off x="9939927" y="5152581"/>
+            <a:ext cx="1661885" cy="1344059"/>
+          </a:xfrm>
+          <a:prstGeom prst="rect">
+            <a:avLst/>
+          </a:prstGeom>
+          <a:solidFill>
+            <a:srgbClr val="FFC000"/>
+          </a:solidFill>
+        </p:spPr>
+        <p:style>
+          <a:lnRef idx="2">
+            <a:schemeClr val="accent1">
+              <a:shade val="50000"/>
+            </a:schemeClr>
+          </a:lnRef>
+          <a:fillRef idx="1">
+            <a:schemeClr val="accent1"/>
+          </a:fillRef>
+          <a:effectRef idx="0">
+            <a:schemeClr val="accent1"/>
+          </a:effectRef>
+          <a:fontRef idx="minor">
+            <a:schemeClr val="lt1"/>
+          </a:fontRef>
+        </p:style>
+        <p:txBody>
+          <a:bodyPr rtlCol="0" anchor="ctr"/>
+          <a:lstStyle/>
+          <a:p>
+            <a:pPr algn="ctr"/>
+            <a:endParaRPr lang="zh-CN" altLang="en-US">
+              <a:solidFill>
+                <a:schemeClr val="lt1"/>
+              </a:solidFill>
+            </a:endParaRPr>
+          </a:p>
+        </p:txBody>
+      </p:sp>
+      <p:sp>
+        <p:nvSpPr>
+          <p:cNvPr id="59" name="矩形 58">
+            <a:extLst>
+              <a:ext uri="{FF2B5EF4-FFF2-40B4-BE49-F238E27FC236}">
+                <a16:creationId xmlns:a16="http://schemas.microsoft.com/office/drawing/2014/main" id="{3F42DD42-F8B0-43B8-AD7F-39494F2FE2C8}"/>
+              </a:ext>
+            </a:extLst>
+          </p:cNvPr>
+          <p:cNvSpPr/>
+          <p:nvPr/>
+        </p:nvSpPr>
+        <p:spPr>
+          <a:xfrm>
+            <a:off x="10063763" y="5591925"/>
+            <a:ext cx="1414211" cy="807268"/>
+          </a:xfrm>
+          <a:prstGeom prst="rect">
+            <a:avLst/>
+          </a:prstGeom>
+          <a:solidFill>
+            <a:schemeClr val="accent1">
+              <a:lumMod val="60000"/>
+              <a:lumOff val="40000"/>
+            </a:schemeClr>
+          </a:solidFill>
+          <a:ln>
+            <a:solidFill>
+              <a:schemeClr val="tx1"/>
+            </a:solidFill>
+          </a:ln>
+        </p:spPr>
+        <p:style>
+          <a:lnRef idx="2">
+            <a:schemeClr val="accent1">
+              <a:shade val="50000"/>
+            </a:schemeClr>
+          </a:lnRef>
+          <a:fillRef idx="1">
+            <a:schemeClr val="accent1"/>
+          </a:fillRef>
+          <a:effectRef idx="0">
+            <a:schemeClr val="accent1"/>
+          </a:effectRef>
+          <a:fontRef idx="minor">
+            <a:schemeClr val="lt1"/>
+          </a:fontRef>
+        </p:style>
+        <p:txBody>
+          <a:bodyPr rtlCol="0" anchor="ctr"/>
+          <a:lstStyle/>
+          <a:p>
+            <a:pPr algn="ctr"/>
+            <a:endParaRPr lang="zh-CN" altLang="en-US" sz="1200" b="1">
+              <a:solidFill>
+                <a:schemeClr val="tx1"/>
+              </a:solidFill>
+            </a:endParaRPr>
+          </a:p>
+        </p:txBody>
+      </p:sp>
+      <p:sp>
+        <p:nvSpPr>
+          <p:cNvPr id="60" name="矩形 59">
+            <a:extLst>
+              <a:ext uri="{FF2B5EF4-FFF2-40B4-BE49-F238E27FC236}">
+                <a16:creationId xmlns:a16="http://schemas.microsoft.com/office/drawing/2014/main" id="{5F26AD9C-330A-4C3C-8554-2AEB0924C5FB}"/>
+              </a:ext>
+            </a:extLst>
+          </p:cNvPr>
+          <p:cNvSpPr/>
+          <p:nvPr/>
+        </p:nvSpPr>
+        <p:spPr>
+          <a:xfrm>
+            <a:off x="10059353" y="5208571"/>
+            <a:ext cx="1414210" cy="295648"/>
+          </a:xfrm>
+          <a:prstGeom prst="rect">
+            <a:avLst/>
+          </a:prstGeom>
+          <a:solidFill>
+            <a:schemeClr val="bg2">
+              <a:lumMod val="90000"/>
+            </a:schemeClr>
+          </a:solidFill>
+          <a:ln>
+            <a:solidFill>
+              <a:schemeClr val="tx1"/>
+            </a:solidFill>
+          </a:ln>
+        </p:spPr>
+        <p:style>
+          <a:lnRef idx="2">
+            <a:schemeClr val="accent1">
+              <a:shade val="50000"/>
+            </a:schemeClr>
+          </a:lnRef>
+          <a:fillRef idx="1">
+            <a:schemeClr val="accent1"/>
+          </a:fillRef>
+          <a:effectRef idx="0">
+            <a:schemeClr val="accent1"/>
+          </a:effectRef>
+          <a:fontRef idx="minor">
+            <a:schemeClr val="lt1"/>
+          </a:fontRef>
+        </p:style>
+        <p:txBody>
+          <a:bodyPr rtlCol="0" anchor="ctr"/>
+          <a:lstStyle/>
+          <a:p>
+            <a:pPr algn="ctr"/>
+            <a:r>
+              <a:rPr lang="en-US" altLang="zh-CN">
+                <a:solidFill>
+                  <a:schemeClr val="tx1"/>
+                </a:solidFill>
+              </a:rPr>
+              <a:t>0x234</a:t>
+            </a:r>
+            <a:endParaRPr lang="zh-CN" altLang="en-US">
+              <a:solidFill>
+                <a:schemeClr val="tx1"/>
+              </a:solidFill>
+            </a:endParaRPr>
+          </a:p>
+        </p:txBody>
+      </p:sp>
+      <p:sp>
+        <p:nvSpPr>
+          <p:cNvPr id="61" name="文本框 60">
+            <a:extLst>
+              <a:ext uri="{FF2B5EF4-FFF2-40B4-BE49-F238E27FC236}">
+                <a16:creationId xmlns:a16="http://schemas.microsoft.com/office/drawing/2014/main" id="{D5BA6793-B399-4CAC-9E26-3D4DEF525988}"/>
+              </a:ext>
+            </a:extLst>
+          </p:cNvPr>
+          <p:cNvSpPr txBox="1"/>
+          <p:nvPr/>
+        </p:nvSpPr>
+        <p:spPr>
+          <a:xfrm>
+            <a:off x="10059353" y="4831729"/>
+            <a:ext cx="1236236" cy="276999"/>
+          </a:xfrm>
+          <a:prstGeom prst="rect">
+            <a:avLst/>
+          </a:prstGeom>
+          <a:noFill/>
+        </p:spPr>
+        <p:txBody>
+          <a:bodyPr wrap="none" rtlCol="0">
+            <a:spAutoFit/>
+          </a:bodyPr>
+          <a:lstStyle/>
+          <a:p>
+            <a:r>
+              <a:rPr lang="en-US" altLang="zh-CN" sz="1200"/>
+              <a:t>Object</a:t>
+            </a:r>
+            <a:r>
+              <a:rPr lang="zh-CN" altLang="en-US" sz="1200"/>
+              <a:t>原型对象</a:t>
+            </a:r>
+          </a:p>
+        </p:txBody>
+      </p:sp>
+      <p:sp>
+        <p:nvSpPr>
+          <p:cNvPr id="62" name="矩形 61">
+            <a:extLst>
+              <a:ext uri="{FF2B5EF4-FFF2-40B4-BE49-F238E27FC236}">
+                <a16:creationId xmlns:a16="http://schemas.microsoft.com/office/drawing/2014/main" id="{25143025-EAF7-4D28-BD05-7F0DCBF52B8D}"/>
+              </a:ext>
+            </a:extLst>
+          </p:cNvPr>
+          <p:cNvSpPr/>
+          <p:nvPr/>
+        </p:nvSpPr>
+        <p:spPr>
+          <a:xfrm>
+            <a:off x="10226745" y="5818333"/>
+            <a:ext cx="1079426" cy="253883"/>
+          </a:xfrm>
+          <a:prstGeom prst="rect">
+            <a:avLst/>
+          </a:prstGeom>
+          <a:solidFill>
+            <a:schemeClr val="accent1">
+              <a:lumMod val="60000"/>
+              <a:lumOff val="40000"/>
+            </a:schemeClr>
+          </a:solidFill>
+          <a:ln>
+            <a:solidFill>
+              <a:schemeClr val="tx1"/>
+            </a:solidFill>
+          </a:ln>
+        </p:spPr>
+        <p:style>
+          <a:lnRef idx="2">
+            <a:schemeClr val="accent1">
+              <a:shade val="50000"/>
+            </a:schemeClr>
+          </a:lnRef>
+          <a:fillRef idx="1">
+            <a:schemeClr val="accent1"/>
+          </a:fillRef>
+          <a:effectRef idx="0">
+            <a:schemeClr val="accent1"/>
+          </a:effectRef>
+          <a:fontRef idx="minor">
+            <a:schemeClr val="lt1"/>
+          </a:fontRef>
+        </p:style>
+        <p:txBody>
+          <a:bodyPr rtlCol="0" anchor="ctr"/>
+          <a:lstStyle/>
+          <a:p>
+            <a:pPr algn="ctr"/>
+            <a:r>
+              <a:rPr lang="en-US" altLang="zh-CN" sz="800" b="1">
+                <a:solidFill>
+                  <a:schemeClr val="tx1"/>
+                </a:solidFill>
+              </a:rPr>
+              <a:t>constructor:0x123</a:t>
+            </a:r>
+            <a:endParaRPr lang="zh-CN" altLang="en-US" sz="800" b="1">
+              <a:solidFill>
+                <a:schemeClr val="tx1"/>
+              </a:solidFill>
+            </a:endParaRPr>
+          </a:p>
+        </p:txBody>
+      </p:sp>
+      <p:sp>
+        <p:nvSpPr>
+          <p:cNvPr id="63" name="矩形 62">
+            <a:extLst>
+              <a:ext uri="{FF2B5EF4-FFF2-40B4-BE49-F238E27FC236}">
+                <a16:creationId xmlns:a16="http://schemas.microsoft.com/office/drawing/2014/main" id="{88F1033E-0249-4510-A7EF-12767EA2129B}"/>
+              </a:ext>
+            </a:extLst>
+          </p:cNvPr>
+          <p:cNvSpPr/>
+          <p:nvPr/>
+        </p:nvSpPr>
+        <p:spPr>
+          <a:xfrm>
+            <a:off x="10226745" y="6108763"/>
+            <a:ext cx="1079426" cy="253883"/>
+          </a:xfrm>
+          <a:prstGeom prst="rect">
+            <a:avLst/>
+          </a:prstGeom>
+          <a:solidFill>
+            <a:schemeClr val="accent1">
+              <a:lumMod val="60000"/>
+              <a:lumOff val="40000"/>
+            </a:schemeClr>
+          </a:solidFill>
+          <a:ln>
+            <a:solidFill>
+              <a:schemeClr val="tx1"/>
+            </a:solidFill>
+          </a:ln>
+        </p:spPr>
+        <p:style>
+          <a:lnRef idx="2">
+            <a:schemeClr val="accent1">
+              <a:shade val="50000"/>
+            </a:schemeClr>
+          </a:lnRef>
+          <a:fillRef idx="1">
+            <a:schemeClr val="accent1"/>
+          </a:fillRef>
+          <a:effectRef idx="0">
+            <a:schemeClr val="accent1"/>
+          </a:effectRef>
+          <a:fontRef idx="minor">
+            <a:schemeClr val="lt1"/>
+          </a:fontRef>
+        </p:style>
+        <p:txBody>
+          <a:bodyPr rtlCol="0" anchor="ctr"/>
+          <a:lstStyle/>
+          <a:p>
+            <a:pPr algn="ctr"/>
+            <a:r>
+              <a:rPr lang="en-US" altLang="zh-CN" sz="800" b="1">
+                <a:solidFill>
+                  <a:schemeClr val="tx1"/>
+                </a:solidFill>
+              </a:rPr>
+              <a:t>__proto__:null</a:t>
+            </a:r>
+            <a:endParaRPr lang="zh-CN" altLang="en-US" sz="800" b="1">
+              <a:solidFill>
+                <a:schemeClr val="tx1"/>
+              </a:solidFill>
+            </a:endParaRPr>
+          </a:p>
+        </p:txBody>
+      </p:sp>
+      <p:sp>
+        <p:nvSpPr>
+          <p:cNvPr id="64" name="矩形 63">
+            <a:extLst>
+              <a:ext uri="{FF2B5EF4-FFF2-40B4-BE49-F238E27FC236}">
+                <a16:creationId xmlns:a16="http://schemas.microsoft.com/office/drawing/2014/main" id="{3A6AD799-8947-4670-B26D-5D157740BF4A}"/>
+              </a:ext>
+            </a:extLst>
+          </p:cNvPr>
+          <p:cNvSpPr/>
+          <p:nvPr/>
+        </p:nvSpPr>
+        <p:spPr>
+          <a:xfrm>
+            <a:off x="10226745" y="5591925"/>
+            <a:ext cx="1079426" cy="253883"/>
+          </a:xfrm>
+          <a:prstGeom prst="rect">
+            <a:avLst/>
+          </a:prstGeom>
+          <a:solidFill>
+            <a:schemeClr val="accent1">
+              <a:lumMod val="60000"/>
+              <a:lumOff val="40000"/>
+            </a:schemeClr>
+          </a:solidFill>
+          <a:ln>
+            <a:solidFill>
+              <a:schemeClr val="tx1"/>
+            </a:solidFill>
+          </a:ln>
+        </p:spPr>
+        <p:style>
+          <a:lnRef idx="2">
+            <a:schemeClr val="accent1">
+              <a:shade val="50000"/>
+            </a:schemeClr>
+          </a:lnRef>
+          <a:fillRef idx="1">
+            <a:schemeClr val="accent1"/>
+          </a:fillRef>
+          <a:effectRef idx="0">
+            <a:schemeClr val="accent1"/>
+          </a:effectRef>
+          <a:fontRef idx="minor">
+            <a:schemeClr val="lt1"/>
+          </a:fontRef>
+        </p:style>
+        <p:txBody>
+          <a:bodyPr rtlCol="0" anchor="ctr"/>
+          <a:lstStyle/>
+          <a:p>
+            <a:pPr algn="ctr"/>
+            <a:r>
+              <a:rPr lang="en-US" altLang="zh-CN" sz="800" b="1">
+                <a:solidFill>
+                  <a:schemeClr val="tx1"/>
+                </a:solidFill>
+              </a:rPr>
+              <a:t>toString:function</a:t>
+            </a:r>
+            <a:endParaRPr lang="zh-CN" altLang="en-US" sz="800" b="1">
+              <a:solidFill>
+                <a:schemeClr val="tx1"/>
+              </a:solidFill>
+            </a:endParaRPr>
+          </a:p>
+        </p:txBody>
+      </p:sp>
+      <p:cxnSp>
+        <p:nvCxnSpPr>
+          <p:cNvPr id="65" name="直接箭头连接符 64">
+            <a:extLst>
+              <a:ext uri="{FF2B5EF4-FFF2-40B4-BE49-F238E27FC236}">
+                <a16:creationId xmlns:a16="http://schemas.microsoft.com/office/drawing/2014/main" id="{4E436E4E-3F88-4292-BB2A-E72835D99F52}"/>
+              </a:ext>
+            </a:extLst>
+          </p:cNvPr>
+          <p:cNvCxnSpPr>
+            <a:cxnSpLocks/>
+          </p:cNvCxnSpPr>
+          <p:nvPr/>
+        </p:nvCxnSpPr>
+        <p:spPr>
+          <a:xfrm>
+            <a:off x="8912072" y="5876499"/>
+            <a:ext cx="1005790" cy="0"/>
+          </a:xfrm>
+          <a:prstGeom prst="straightConnector1">
+            <a:avLst/>
+          </a:prstGeom>
+          <a:ln w="38100">
+            <a:solidFill>
+              <a:schemeClr val="tx1"/>
+            </a:solidFill>
+            <a:tailEnd type="triangle"/>
+          </a:ln>
+        </p:spPr>
+        <p:style>
+          <a:lnRef idx="1">
+            <a:schemeClr val="accent1"/>
+          </a:lnRef>
+          <a:fillRef idx="0">
+            <a:schemeClr val="accent1"/>
+          </a:fillRef>
+          <a:effectRef idx="0">
+            <a:schemeClr val="accent1"/>
+          </a:effectRef>
+          <a:fontRef idx="minor">
+            <a:schemeClr val="tx1"/>
+          </a:fontRef>
+        </p:style>
+      </p:cxnSp>
+      <p:cxnSp>
+        <p:nvCxnSpPr>
+          <p:cNvPr id="66" name="直接箭头连接符 65">
+            <a:extLst>
+              <a:ext uri="{FF2B5EF4-FFF2-40B4-BE49-F238E27FC236}">
+                <a16:creationId xmlns:a16="http://schemas.microsoft.com/office/drawing/2014/main" id="{5E434B04-C910-4B1A-B0F6-32E47207F023}"/>
+              </a:ext>
+            </a:extLst>
+          </p:cNvPr>
+          <p:cNvCxnSpPr>
+            <a:cxnSpLocks/>
+          </p:cNvCxnSpPr>
+          <p:nvPr/>
+        </p:nvCxnSpPr>
+        <p:spPr>
+          <a:xfrm flipH="1">
+            <a:off x="8890300" y="6108763"/>
+            <a:ext cx="1012546" cy="0"/>
+          </a:xfrm>
+          <a:prstGeom prst="straightConnector1">
+            <a:avLst/>
+          </a:prstGeom>
+          <a:ln w="38100">
+            <a:solidFill>
+              <a:schemeClr val="tx1"/>
+            </a:solidFill>
+            <a:tailEnd type="triangle"/>
+          </a:ln>
+        </p:spPr>
+        <p:style>
+          <a:lnRef idx="1">
+            <a:schemeClr val="accent1"/>
+          </a:lnRef>
+          <a:fillRef idx="0">
+            <a:schemeClr val="accent1"/>
+          </a:fillRef>
+          <a:effectRef idx="0">
+            <a:schemeClr val="accent1"/>
+          </a:effectRef>
+          <a:fontRef idx="minor">
+            <a:schemeClr val="tx1"/>
+          </a:fontRef>
+        </p:style>
+      </p:cxnSp>
+      <p:sp>
+        <p:nvSpPr>
+          <p:cNvPr id="67" name="矩形 66">
+            <a:extLst>
+              <a:ext uri="{FF2B5EF4-FFF2-40B4-BE49-F238E27FC236}">
+                <a16:creationId xmlns:a16="http://schemas.microsoft.com/office/drawing/2014/main" id="{D7EB1109-A37F-41F9-90DF-18611B4513EC}"/>
+              </a:ext>
+            </a:extLst>
+          </p:cNvPr>
+          <p:cNvSpPr/>
+          <p:nvPr/>
+        </p:nvSpPr>
+        <p:spPr>
+          <a:xfrm>
+            <a:off x="4003147" y="3271260"/>
+            <a:ext cx="1661885" cy="1344059"/>
+          </a:xfrm>
+          <a:prstGeom prst="rect">
+            <a:avLst/>
+          </a:prstGeom>
+          <a:solidFill>
+            <a:srgbClr val="FFC000"/>
+          </a:solidFill>
+        </p:spPr>
+        <p:style>
+          <a:lnRef idx="2">
+            <a:schemeClr val="accent1">
+              <a:shade val="50000"/>
+            </a:schemeClr>
+          </a:lnRef>
+          <a:fillRef idx="1">
+            <a:schemeClr val="accent1"/>
+          </a:fillRef>
+          <a:effectRef idx="0">
+            <a:schemeClr val="accent1"/>
+          </a:effectRef>
+          <a:fontRef idx="minor">
+            <a:schemeClr val="lt1"/>
+          </a:fontRef>
+        </p:style>
+        <p:txBody>
+          <a:bodyPr rtlCol="0" anchor="ctr"/>
+          <a:lstStyle/>
+          <a:p>
+            <a:pPr algn="ctr"/>
+            <a:endParaRPr lang="zh-CN" altLang="en-US">
+              <a:solidFill>
+                <a:schemeClr val="lt1"/>
+              </a:solidFill>
+            </a:endParaRPr>
+          </a:p>
+        </p:txBody>
+      </p:sp>
+      <p:sp>
+        <p:nvSpPr>
+          <p:cNvPr id="68" name="矩形 67">
+            <a:extLst>
+              <a:ext uri="{FF2B5EF4-FFF2-40B4-BE49-F238E27FC236}">
+                <a16:creationId xmlns:a16="http://schemas.microsoft.com/office/drawing/2014/main" id="{9FC63296-C329-4E94-AC32-F9F2D8CE241A}"/>
+              </a:ext>
+            </a:extLst>
+          </p:cNvPr>
+          <p:cNvSpPr/>
+          <p:nvPr/>
+        </p:nvSpPr>
+        <p:spPr>
+          <a:xfrm>
+            <a:off x="4126983" y="3710604"/>
+            <a:ext cx="1414211" cy="807268"/>
+          </a:xfrm>
+          <a:prstGeom prst="rect">
+            <a:avLst/>
+          </a:prstGeom>
+          <a:solidFill>
+            <a:schemeClr val="accent1">
+              <a:lumMod val="60000"/>
+              <a:lumOff val="40000"/>
+            </a:schemeClr>
+          </a:solidFill>
+          <a:ln>
+            <a:solidFill>
+              <a:schemeClr val="tx1"/>
+            </a:solidFill>
+          </a:ln>
+        </p:spPr>
+        <p:style>
+          <a:lnRef idx="2">
+            <a:schemeClr val="accent1">
+              <a:shade val="50000"/>
+            </a:schemeClr>
+          </a:lnRef>
+          <a:fillRef idx="1">
+            <a:schemeClr val="accent1"/>
+          </a:fillRef>
+          <a:effectRef idx="0">
+            <a:schemeClr val="accent1"/>
+          </a:effectRef>
+          <a:fontRef idx="minor">
+            <a:schemeClr val="lt1"/>
+          </a:fontRef>
+        </p:style>
+        <p:txBody>
+          <a:bodyPr rtlCol="0" anchor="ctr"/>
+          <a:lstStyle/>
+          <a:p>
+            <a:pPr algn="ctr"/>
+            <a:r>
+              <a:rPr lang="en-US" altLang="zh-CN">
+                <a:solidFill>
+                  <a:schemeClr val="tx1"/>
+                </a:solidFill>
+              </a:rPr>
+              <a:t>0x345</a:t>
+            </a:r>
+            <a:endParaRPr lang="zh-CN" altLang="en-US">
+              <a:solidFill>
+                <a:schemeClr val="tx1"/>
+              </a:solidFill>
+            </a:endParaRPr>
+          </a:p>
+        </p:txBody>
+      </p:sp>
+      <p:sp>
+        <p:nvSpPr>
+          <p:cNvPr id="69" name="矩形 68">
+            <a:extLst>
+              <a:ext uri="{FF2B5EF4-FFF2-40B4-BE49-F238E27FC236}">
+                <a16:creationId xmlns:a16="http://schemas.microsoft.com/office/drawing/2014/main" id="{52D23189-659D-4C86-88A6-8756D5C52CD4}"/>
+              </a:ext>
+            </a:extLst>
+          </p:cNvPr>
+          <p:cNvSpPr/>
+          <p:nvPr/>
+        </p:nvSpPr>
+        <p:spPr>
+          <a:xfrm>
+            <a:off x="4122573" y="3327250"/>
+            <a:ext cx="1414210" cy="295648"/>
+          </a:xfrm>
+          <a:prstGeom prst="rect">
+            <a:avLst/>
+          </a:prstGeom>
+          <a:solidFill>
+            <a:schemeClr val="bg2">
+              <a:lumMod val="90000"/>
+            </a:schemeClr>
+          </a:solidFill>
+          <a:ln>
+            <a:solidFill>
+              <a:schemeClr val="tx1"/>
+            </a:solidFill>
+          </a:ln>
+        </p:spPr>
+        <p:style>
+          <a:lnRef idx="2">
+            <a:schemeClr val="accent1">
+              <a:shade val="50000"/>
+            </a:schemeClr>
+          </a:lnRef>
+          <a:fillRef idx="1">
+            <a:schemeClr val="accent1"/>
+          </a:fillRef>
+          <a:effectRef idx="0">
+            <a:schemeClr val="accent1"/>
+          </a:effectRef>
+          <a:fontRef idx="minor">
+            <a:schemeClr val="lt1"/>
+          </a:fontRef>
+        </p:style>
+        <p:txBody>
+          <a:bodyPr rtlCol="0" anchor="ctr"/>
+          <a:lstStyle/>
+          <a:p>
+            <a:pPr algn="ctr"/>
+            <a:r>
+              <a:rPr lang="en-US" altLang="zh-CN">
+                <a:solidFill>
+                  <a:schemeClr val="tx1"/>
+                </a:solidFill>
+              </a:rPr>
+              <a:t>0x222</a:t>
+            </a:r>
+            <a:endParaRPr lang="zh-CN" altLang="en-US">
+              <a:solidFill>
+                <a:schemeClr val="tx1"/>
+              </a:solidFill>
+            </a:endParaRPr>
+          </a:p>
+        </p:txBody>
+      </p:sp>
+      <p:sp>
+        <p:nvSpPr>
+          <p:cNvPr id="70" name="文本框 69">
+            <a:extLst>
+              <a:ext uri="{FF2B5EF4-FFF2-40B4-BE49-F238E27FC236}">
+                <a16:creationId xmlns:a16="http://schemas.microsoft.com/office/drawing/2014/main" id="{6A1AB214-7E4E-4C47-8D57-DF7EA8D13127}"/>
+              </a:ext>
+            </a:extLst>
+          </p:cNvPr>
+          <p:cNvSpPr txBox="1"/>
+          <p:nvPr/>
+        </p:nvSpPr>
+        <p:spPr>
+          <a:xfrm>
+            <a:off x="3862903" y="2906556"/>
+            <a:ext cx="587020" cy="276999"/>
+          </a:xfrm>
+          <a:prstGeom prst="rect">
+            <a:avLst/>
+          </a:prstGeom>
+          <a:noFill/>
+        </p:spPr>
+        <p:txBody>
+          <a:bodyPr wrap="none" rtlCol="0">
+            <a:spAutoFit/>
+          </a:bodyPr>
+          <a:lstStyle/>
+          <a:p>
+            <a:r>
+              <a:rPr lang="en-US" altLang="zh-CN" sz="1200"/>
+              <a:t>Demo</a:t>
+            </a:r>
+            <a:endParaRPr lang="zh-CN" altLang="en-US" sz="1200"/>
+          </a:p>
+        </p:txBody>
+      </p:sp>
+      <p:sp>
+        <p:nvSpPr>
+          <p:cNvPr id="71" name="矩形 70">
+            <a:extLst>
+              <a:ext uri="{FF2B5EF4-FFF2-40B4-BE49-F238E27FC236}">
+                <a16:creationId xmlns:a16="http://schemas.microsoft.com/office/drawing/2014/main" id="{539E9A8B-9083-4724-9F18-EFEBAC0A8420}"/>
+              </a:ext>
+            </a:extLst>
+          </p:cNvPr>
+          <p:cNvSpPr/>
+          <p:nvPr/>
+        </p:nvSpPr>
+        <p:spPr>
+          <a:xfrm>
+            <a:off x="7231888" y="3223599"/>
+            <a:ext cx="1661885" cy="1344059"/>
+          </a:xfrm>
+          <a:prstGeom prst="rect">
+            <a:avLst/>
+          </a:prstGeom>
+          <a:solidFill>
+            <a:srgbClr val="FFC000"/>
+          </a:solidFill>
+        </p:spPr>
+        <p:style>
+          <a:lnRef idx="2">
+            <a:schemeClr val="accent1">
+              <a:shade val="50000"/>
+            </a:schemeClr>
+          </a:lnRef>
+          <a:fillRef idx="1">
+            <a:schemeClr val="accent1"/>
+          </a:fillRef>
+          <a:effectRef idx="0">
+            <a:schemeClr val="accent1"/>
+          </a:effectRef>
+          <a:fontRef idx="minor">
+            <a:schemeClr val="lt1"/>
+          </a:fontRef>
+        </p:style>
+        <p:txBody>
+          <a:bodyPr rtlCol="0" anchor="ctr"/>
+          <a:lstStyle/>
+          <a:p>
+            <a:pPr algn="ctr"/>
+            <a:endParaRPr lang="zh-CN" altLang="en-US">
+              <a:solidFill>
+                <a:schemeClr val="lt1"/>
+              </a:solidFill>
+            </a:endParaRPr>
+          </a:p>
+        </p:txBody>
+      </p:sp>
+      <p:sp>
+        <p:nvSpPr>
+          <p:cNvPr id="72" name="矩形 71">
+            <a:extLst>
+              <a:ext uri="{FF2B5EF4-FFF2-40B4-BE49-F238E27FC236}">
+                <a16:creationId xmlns:a16="http://schemas.microsoft.com/office/drawing/2014/main" id="{7988C58C-EB8C-4B71-802B-CCBEDE407395}"/>
+              </a:ext>
+            </a:extLst>
+          </p:cNvPr>
+          <p:cNvSpPr/>
+          <p:nvPr/>
+        </p:nvSpPr>
+        <p:spPr>
+          <a:xfrm>
+            <a:off x="7355724" y="3662943"/>
+            <a:ext cx="1414211" cy="807268"/>
+          </a:xfrm>
+          <a:prstGeom prst="rect">
+            <a:avLst/>
+          </a:prstGeom>
+          <a:solidFill>
+            <a:schemeClr val="accent1">
+              <a:lumMod val="60000"/>
+              <a:lumOff val="40000"/>
+            </a:schemeClr>
+          </a:solidFill>
+          <a:ln>
+            <a:solidFill>
+              <a:schemeClr val="tx1"/>
+            </a:solidFill>
+          </a:ln>
+        </p:spPr>
+        <p:style>
+          <a:lnRef idx="2">
+            <a:schemeClr val="accent1">
+              <a:shade val="50000"/>
+            </a:schemeClr>
+          </a:lnRef>
+          <a:fillRef idx="1">
+            <a:schemeClr val="accent1"/>
+          </a:fillRef>
+          <a:effectRef idx="0">
+            <a:schemeClr val="accent1"/>
+          </a:effectRef>
+          <a:fontRef idx="minor">
+            <a:schemeClr val="lt1"/>
+          </a:fontRef>
+        </p:style>
+        <p:txBody>
+          <a:bodyPr rtlCol="0" anchor="ctr"/>
+          <a:lstStyle/>
+          <a:p>
+            <a:pPr algn="ctr"/>
+            <a:r>
+              <a:rPr lang="en-US" altLang="zh-CN" sz="1200" b="1">
+                <a:solidFill>
+                  <a:schemeClr val="tx1"/>
+                </a:solidFill>
+              </a:rPr>
+              <a:t>prototype:0x456</a:t>
+            </a:r>
+            <a:endParaRPr lang="zh-CN" altLang="en-US" sz="1200" b="1">
+              <a:solidFill>
+                <a:schemeClr val="tx1"/>
+              </a:solidFill>
+            </a:endParaRPr>
+          </a:p>
+        </p:txBody>
+      </p:sp>
+      <p:sp>
+        <p:nvSpPr>
+          <p:cNvPr id="73" name="矩形 72">
+            <a:extLst>
+              <a:ext uri="{FF2B5EF4-FFF2-40B4-BE49-F238E27FC236}">
+                <a16:creationId xmlns:a16="http://schemas.microsoft.com/office/drawing/2014/main" id="{90B99467-1D41-4E5C-8981-83F7CD151749}"/>
+              </a:ext>
+            </a:extLst>
+          </p:cNvPr>
+          <p:cNvSpPr/>
+          <p:nvPr/>
+        </p:nvSpPr>
+        <p:spPr>
+          <a:xfrm>
+            <a:off x="7351314" y="3279589"/>
+            <a:ext cx="1414210" cy="295648"/>
+          </a:xfrm>
+          <a:prstGeom prst="rect">
+            <a:avLst/>
+          </a:prstGeom>
+          <a:solidFill>
+            <a:schemeClr val="bg2">
+              <a:lumMod val="90000"/>
+            </a:schemeClr>
+          </a:solidFill>
+          <a:ln>
+            <a:solidFill>
+              <a:schemeClr val="tx1"/>
+            </a:solidFill>
+          </a:ln>
+        </p:spPr>
+        <p:style>
+          <a:lnRef idx="2">
+            <a:schemeClr val="accent1">
+              <a:shade val="50000"/>
+            </a:schemeClr>
+          </a:lnRef>
+          <a:fillRef idx="1">
+            <a:schemeClr val="accent1"/>
+          </a:fillRef>
+          <a:effectRef idx="0">
+            <a:schemeClr val="accent1"/>
+          </a:effectRef>
+          <a:fontRef idx="minor">
+            <a:schemeClr val="lt1"/>
+          </a:fontRef>
+        </p:style>
+        <p:txBody>
+          <a:bodyPr rtlCol="0" anchor="ctr"/>
+          <a:lstStyle/>
+          <a:p>
+            <a:pPr algn="ctr"/>
+            <a:r>
+              <a:rPr lang="en-US" altLang="zh-CN">
+                <a:solidFill>
+                  <a:schemeClr val="tx1"/>
+                </a:solidFill>
+              </a:rPr>
+              <a:t>0x345</a:t>
+            </a:r>
+            <a:endParaRPr lang="zh-CN" altLang="en-US">
+              <a:solidFill>
+                <a:schemeClr val="tx1"/>
+              </a:solidFill>
+            </a:endParaRPr>
+          </a:p>
+        </p:txBody>
+      </p:sp>
+      <p:sp>
+        <p:nvSpPr>
+          <p:cNvPr id="74" name="文本框 73">
+            <a:extLst>
+              <a:ext uri="{FF2B5EF4-FFF2-40B4-BE49-F238E27FC236}">
+                <a16:creationId xmlns:a16="http://schemas.microsoft.com/office/drawing/2014/main" id="{86947378-40F6-4C11-9A5D-80F0A010C907}"/>
+              </a:ext>
+            </a:extLst>
+          </p:cNvPr>
+          <p:cNvSpPr txBox="1"/>
+          <p:nvPr/>
+        </p:nvSpPr>
+        <p:spPr>
+          <a:xfrm>
+            <a:off x="7351314" y="2902747"/>
+            <a:ext cx="1202573" cy="276999"/>
+          </a:xfrm>
+          <a:prstGeom prst="rect">
+            <a:avLst/>
+          </a:prstGeom>
+          <a:noFill/>
+        </p:spPr>
+        <p:txBody>
+          <a:bodyPr wrap="none" rtlCol="0">
+            <a:spAutoFit/>
+          </a:bodyPr>
+          <a:lstStyle/>
+          <a:p>
+            <a:r>
+              <a:rPr lang="en-US" altLang="zh-CN" sz="1200"/>
+              <a:t>Demo</a:t>
+            </a:r>
+            <a:r>
+              <a:rPr lang="zh-CN" altLang="en-US" sz="1200"/>
+              <a:t>函数对象</a:t>
+            </a:r>
+          </a:p>
+        </p:txBody>
+      </p:sp>
+      <p:sp>
+        <p:nvSpPr>
+          <p:cNvPr id="75" name="矩形 74">
+            <a:extLst>
+              <a:ext uri="{FF2B5EF4-FFF2-40B4-BE49-F238E27FC236}">
+                <a16:creationId xmlns:a16="http://schemas.microsoft.com/office/drawing/2014/main" id="{AC012D74-0AD3-4070-A06C-D30A530F9CE3}"/>
+              </a:ext>
+            </a:extLst>
+          </p:cNvPr>
+          <p:cNvSpPr/>
+          <p:nvPr/>
+        </p:nvSpPr>
+        <p:spPr>
+          <a:xfrm>
+            <a:off x="9953337" y="3212489"/>
+            <a:ext cx="1661885" cy="1344059"/>
+          </a:xfrm>
+          <a:prstGeom prst="rect">
+            <a:avLst/>
+          </a:prstGeom>
+          <a:solidFill>
+            <a:srgbClr val="FFC000"/>
+          </a:solidFill>
+        </p:spPr>
+        <p:style>
+          <a:lnRef idx="2">
+            <a:schemeClr val="accent1">
+              <a:shade val="50000"/>
+            </a:schemeClr>
+          </a:lnRef>
+          <a:fillRef idx="1">
+            <a:schemeClr val="accent1"/>
+          </a:fillRef>
+          <a:effectRef idx="0">
+            <a:schemeClr val="accent1"/>
+          </a:effectRef>
+          <a:fontRef idx="minor">
+            <a:schemeClr val="lt1"/>
+          </a:fontRef>
+        </p:style>
+        <p:txBody>
+          <a:bodyPr rtlCol="0" anchor="ctr"/>
+          <a:lstStyle/>
+          <a:p>
+            <a:pPr algn="ctr"/>
+            <a:endParaRPr lang="zh-CN" altLang="en-US">
+              <a:solidFill>
+                <a:schemeClr val="lt1"/>
+              </a:solidFill>
+            </a:endParaRPr>
+          </a:p>
+        </p:txBody>
+      </p:sp>
+      <p:sp>
+        <p:nvSpPr>
+          <p:cNvPr id="76" name="矩形 75">
+            <a:extLst>
+              <a:ext uri="{FF2B5EF4-FFF2-40B4-BE49-F238E27FC236}">
+                <a16:creationId xmlns:a16="http://schemas.microsoft.com/office/drawing/2014/main" id="{2E06F2C0-C776-40FA-A514-86758A7BDABC}"/>
+              </a:ext>
+            </a:extLst>
+          </p:cNvPr>
+          <p:cNvSpPr/>
+          <p:nvPr/>
+        </p:nvSpPr>
+        <p:spPr>
+          <a:xfrm>
+            <a:off x="10077173" y="3651833"/>
+            <a:ext cx="1414211" cy="807268"/>
+          </a:xfrm>
+          <a:prstGeom prst="rect">
+            <a:avLst/>
+          </a:prstGeom>
+          <a:solidFill>
+            <a:schemeClr val="accent1">
+              <a:lumMod val="60000"/>
+              <a:lumOff val="40000"/>
+            </a:schemeClr>
+          </a:solidFill>
+          <a:ln>
+            <a:solidFill>
+              <a:schemeClr val="tx1"/>
+            </a:solidFill>
+          </a:ln>
+        </p:spPr>
+        <p:style>
+          <a:lnRef idx="2">
+            <a:schemeClr val="accent1">
+              <a:shade val="50000"/>
+            </a:schemeClr>
+          </a:lnRef>
+          <a:fillRef idx="1">
+            <a:schemeClr val="accent1"/>
+          </a:fillRef>
+          <a:effectRef idx="0">
+            <a:schemeClr val="accent1"/>
+          </a:effectRef>
+          <a:fontRef idx="minor">
+            <a:schemeClr val="lt1"/>
+          </a:fontRef>
+        </p:style>
+        <p:txBody>
+          <a:bodyPr rtlCol="0" anchor="ctr"/>
+          <a:lstStyle/>
+          <a:p>
+            <a:pPr algn="ctr"/>
+            <a:endParaRPr lang="zh-CN" altLang="en-US" sz="1200" b="1">
+              <a:solidFill>
+                <a:schemeClr val="tx1"/>
+              </a:solidFill>
+            </a:endParaRPr>
+          </a:p>
+        </p:txBody>
+      </p:sp>
+      <p:sp>
+        <p:nvSpPr>
+          <p:cNvPr id="77" name="矩形 76">
+            <a:extLst>
+              <a:ext uri="{FF2B5EF4-FFF2-40B4-BE49-F238E27FC236}">
+                <a16:creationId xmlns:a16="http://schemas.microsoft.com/office/drawing/2014/main" id="{3680B90F-1A0E-4CBD-88F3-D34770920A70}"/>
+              </a:ext>
+            </a:extLst>
+          </p:cNvPr>
+          <p:cNvSpPr/>
+          <p:nvPr/>
+        </p:nvSpPr>
+        <p:spPr>
+          <a:xfrm>
+            <a:off x="10072763" y="3268479"/>
+            <a:ext cx="1414210" cy="295648"/>
+          </a:xfrm>
+          <a:prstGeom prst="rect">
+            <a:avLst/>
+          </a:prstGeom>
+          <a:solidFill>
+            <a:schemeClr val="bg2">
+              <a:lumMod val="90000"/>
+            </a:schemeClr>
+          </a:solidFill>
+          <a:ln>
+            <a:solidFill>
+              <a:schemeClr val="tx1"/>
+            </a:solidFill>
+          </a:ln>
+        </p:spPr>
+        <p:style>
+          <a:lnRef idx="2">
+            <a:schemeClr val="accent1">
+              <a:shade val="50000"/>
+            </a:schemeClr>
+          </a:lnRef>
+          <a:fillRef idx="1">
+            <a:schemeClr val="accent1"/>
+          </a:fillRef>
+          <a:effectRef idx="0">
+            <a:schemeClr val="accent1"/>
+          </a:effectRef>
+          <a:fontRef idx="minor">
+            <a:schemeClr val="lt1"/>
+          </a:fontRef>
+        </p:style>
+        <p:txBody>
+          <a:bodyPr rtlCol="0" anchor="ctr"/>
+          <a:lstStyle/>
+          <a:p>
+            <a:pPr algn="ctr"/>
+            <a:r>
+              <a:rPr lang="en-US" altLang="zh-CN">
+                <a:solidFill>
+                  <a:schemeClr val="tx1"/>
+                </a:solidFill>
+              </a:rPr>
+              <a:t>0x456</a:t>
+            </a:r>
+            <a:endParaRPr lang="zh-CN" altLang="en-US">
+              <a:solidFill>
+                <a:schemeClr val="tx1"/>
+              </a:solidFill>
+            </a:endParaRPr>
+          </a:p>
+        </p:txBody>
+      </p:sp>
+      <p:sp>
+        <p:nvSpPr>
+          <p:cNvPr id="78" name="文本框 77">
+            <a:extLst>
+              <a:ext uri="{FF2B5EF4-FFF2-40B4-BE49-F238E27FC236}">
+                <a16:creationId xmlns:a16="http://schemas.microsoft.com/office/drawing/2014/main" id="{E00193C6-330A-4306-9EEA-0EC814EC6571}"/>
+              </a:ext>
+            </a:extLst>
+          </p:cNvPr>
+          <p:cNvSpPr txBox="1"/>
+          <p:nvPr/>
+        </p:nvSpPr>
+        <p:spPr>
+          <a:xfrm>
+            <a:off x="10072763" y="2891637"/>
+            <a:ext cx="1202573" cy="276999"/>
+          </a:xfrm>
+          <a:prstGeom prst="rect">
+            <a:avLst/>
+          </a:prstGeom>
+          <a:noFill/>
+        </p:spPr>
+        <p:txBody>
+          <a:bodyPr wrap="none" rtlCol="0">
+            <a:spAutoFit/>
+          </a:bodyPr>
+          <a:lstStyle/>
+          <a:p>
+            <a:r>
+              <a:rPr lang="en-US" altLang="zh-CN" sz="1200"/>
+              <a:t>Demo</a:t>
+            </a:r>
+            <a:r>
+              <a:rPr lang="zh-CN" altLang="en-US" sz="1200"/>
+              <a:t>原型对象</a:t>
+            </a:r>
+          </a:p>
+        </p:txBody>
+      </p:sp>
+      <p:sp>
+        <p:nvSpPr>
+          <p:cNvPr id="79" name="矩形 78">
+            <a:extLst>
+              <a:ext uri="{FF2B5EF4-FFF2-40B4-BE49-F238E27FC236}">
+                <a16:creationId xmlns:a16="http://schemas.microsoft.com/office/drawing/2014/main" id="{AFC534BF-AEB8-4696-8C3B-B84C738C2112}"/>
+              </a:ext>
+            </a:extLst>
+          </p:cNvPr>
+          <p:cNvSpPr/>
+          <p:nvPr/>
+        </p:nvSpPr>
+        <p:spPr>
+          <a:xfrm>
+            <a:off x="10257580" y="3669407"/>
+            <a:ext cx="1079426" cy="232036"/>
+          </a:xfrm>
+          <a:prstGeom prst="rect">
+            <a:avLst/>
+          </a:prstGeom>
+          <a:solidFill>
+            <a:schemeClr val="accent1">
+              <a:lumMod val="60000"/>
+              <a:lumOff val="40000"/>
+            </a:schemeClr>
+          </a:solidFill>
+          <a:ln>
+            <a:solidFill>
+              <a:schemeClr val="tx1"/>
+            </a:solidFill>
+          </a:ln>
+        </p:spPr>
+        <p:style>
+          <a:lnRef idx="2">
+            <a:schemeClr val="accent1">
+              <a:shade val="50000"/>
+            </a:schemeClr>
+          </a:lnRef>
+          <a:fillRef idx="1">
+            <a:schemeClr val="accent1"/>
+          </a:fillRef>
+          <a:effectRef idx="0">
+            <a:schemeClr val="accent1"/>
+          </a:effectRef>
+          <a:fontRef idx="minor">
+            <a:schemeClr val="lt1"/>
+          </a:fontRef>
+        </p:style>
+        <p:txBody>
+          <a:bodyPr rtlCol="0" anchor="ctr"/>
+          <a:lstStyle/>
+          <a:p>
+            <a:pPr algn="ctr"/>
+            <a:r>
+              <a:rPr lang="en-US" altLang="zh-CN" sz="900" b="1">
+                <a:solidFill>
+                  <a:schemeClr val="tx1"/>
+                </a:solidFill>
+              </a:rPr>
+              <a:t>test2</a:t>
+            </a:r>
+            <a:r>
+              <a:rPr lang="zh-CN" altLang="en-US" sz="900" b="1">
+                <a:solidFill>
+                  <a:schemeClr val="tx1"/>
+                </a:solidFill>
+              </a:rPr>
+              <a:t>：</a:t>
+            </a:r>
+            <a:r>
+              <a:rPr lang="en-US" altLang="zh-CN" sz="900" b="1">
+                <a:solidFill>
+                  <a:schemeClr val="tx1"/>
+                </a:solidFill>
+              </a:rPr>
+              <a:t>function</a:t>
+            </a:r>
+            <a:endParaRPr lang="zh-CN" altLang="en-US" sz="900" b="1">
+              <a:solidFill>
+                <a:schemeClr val="tx1"/>
+              </a:solidFill>
+            </a:endParaRPr>
+          </a:p>
+        </p:txBody>
+      </p:sp>
+      <p:sp>
+        <p:nvSpPr>
+          <p:cNvPr id="80" name="矩形 79">
+            <a:extLst>
+              <a:ext uri="{FF2B5EF4-FFF2-40B4-BE49-F238E27FC236}">
+                <a16:creationId xmlns:a16="http://schemas.microsoft.com/office/drawing/2014/main" id="{7FB88826-3049-42D6-A75F-1B2A04EDB2BB}"/>
+              </a:ext>
+            </a:extLst>
+          </p:cNvPr>
+          <p:cNvSpPr/>
+          <p:nvPr/>
+        </p:nvSpPr>
+        <p:spPr>
+          <a:xfrm>
+            <a:off x="10268423" y="3922325"/>
+            <a:ext cx="1048591" cy="232036"/>
+          </a:xfrm>
+          <a:prstGeom prst="rect">
+            <a:avLst/>
+          </a:prstGeom>
+          <a:solidFill>
+            <a:schemeClr val="accent1">
+              <a:lumMod val="60000"/>
+              <a:lumOff val="40000"/>
+            </a:schemeClr>
+          </a:solidFill>
+          <a:ln>
+            <a:solidFill>
+              <a:schemeClr val="tx1"/>
+            </a:solidFill>
+          </a:ln>
+        </p:spPr>
+        <p:style>
+          <a:lnRef idx="2">
+            <a:schemeClr val="accent1">
+              <a:shade val="50000"/>
+            </a:schemeClr>
+          </a:lnRef>
+          <a:fillRef idx="1">
+            <a:schemeClr val="accent1"/>
+          </a:fillRef>
+          <a:effectRef idx="0">
+            <a:schemeClr val="accent1"/>
+          </a:effectRef>
+          <a:fontRef idx="minor">
+            <a:schemeClr val="lt1"/>
+          </a:fontRef>
+        </p:style>
+        <p:txBody>
+          <a:bodyPr rtlCol="0" anchor="ctr"/>
+          <a:lstStyle/>
+          <a:p>
+            <a:pPr algn="ctr"/>
+            <a:r>
+              <a:rPr lang="en-US" altLang="zh-CN" sz="900" b="1">
+                <a:solidFill>
+                  <a:schemeClr val="tx1"/>
+                </a:solidFill>
+              </a:rPr>
+              <a:t>__proto__:0x234</a:t>
+            </a:r>
+            <a:endParaRPr lang="zh-CN" altLang="en-US" sz="900" b="1">
+              <a:solidFill>
+                <a:schemeClr val="tx1"/>
+              </a:solidFill>
+            </a:endParaRPr>
+          </a:p>
+        </p:txBody>
+      </p:sp>
+      <p:cxnSp>
+        <p:nvCxnSpPr>
+          <p:cNvPr id="81" name="直接箭头连接符 80">
+            <a:extLst>
+              <a:ext uri="{FF2B5EF4-FFF2-40B4-BE49-F238E27FC236}">
+                <a16:creationId xmlns:a16="http://schemas.microsoft.com/office/drawing/2014/main" id="{E336B6BE-451E-446A-A509-4714F710B8E8}"/>
+              </a:ext>
+            </a:extLst>
+          </p:cNvPr>
+          <p:cNvCxnSpPr>
+            <a:cxnSpLocks/>
+          </p:cNvCxnSpPr>
+          <p:nvPr/>
+        </p:nvCxnSpPr>
+        <p:spPr>
+          <a:xfrm>
+            <a:off x="5824548" y="4042568"/>
+            <a:ext cx="1285413" cy="1"/>
+          </a:xfrm>
+          <a:prstGeom prst="straightConnector1">
+            <a:avLst/>
+          </a:prstGeom>
+          <a:ln w="38100">
+            <a:solidFill>
+              <a:schemeClr val="tx1"/>
+            </a:solidFill>
+            <a:tailEnd type="triangle"/>
+          </a:ln>
+        </p:spPr>
+        <p:style>
+          <a:lnRef idx="1">
+            <a:schemeClr val="accent1"/>
+          </a:lnRef>
+          <a:fillRef idx="0">
+            <a:schemeClr val="accent1"/>
+          </a:fillRef>
+          <a:effectRef idx="0">
+            <a:schemeClr val="accent1"/>
+          </a:effectRef>
+          <a:fontRef idx="minor">
+            <a:schemeClr val="tx1"/>
+          </a:fontRef>
+        </p:style>
+      </p:cxnSp>
+      <p:cxnSp>
+        <p:nvCxnSpPr>
+          <p:cNvPr id="82" name="直接箭头连接符 81">
+            <a:extLst>
+              <a:ext uri="{FF2B5EF4-FFF2-40B4-BE49-F238E27FC236}">
+                <a16:creationId xmlns:a16="http://schemas.microsoft.com/office/drawing/2014/main" id="{0527FB73-D429-47DD-AB78-130A62A0FA01}"/>
+              </a:ext>
+            </a:extLst>
+          </p:cNvPr>
+          <p:cNvCxnSpPr>
+            <a:cxnSpLocks/>
+          </p:cNvCxnSpPr>
+          <p:nvPr/>
+        </p:nvCxnSpPr>
+        <p:spPr>
+          <a:xfrm>
+            <a:off x="8912072" y="3961655"/>
+            <a:ext cx="1073542" cy="0"/>
+          </a:xfrm>
+          <a:prstGeom prst="straightConnector1">
+            <a:avLst/>
+          </a:prstGeom>
+          <a:ln w="38100">
+            <a:solidFill>
+              <a:schemeClr val="tx1"/>
+            </a:solidFill>
+            <a:tailEnd type="triangle"/>
+          </a:ln>
+        </p:spPr>
+        <p:style>
+          <a:lnRef idx="1">
+            <a:schemeClr val="accent1"/>
+          </a:lnRef>
+          <a:fillRef idx="0">
+            <a:schemeClr val="accent1"/>
+          </a:fillRef>
+          <a:effectRef idx="0">
+            <a:schemeClr val="accent1"/>
+          </a:effectRef>
+          <a:fontRef idx="minor">
+            <a:schemeClr val="tx1"/>
+          </a:fontRef>
+        </p:style>
+      </p:cxnSp>
+      <p:cxnSp>
+        <p:nvCxnSpPr>
+          <p:cNvPr id="83" name="直接箭头连接符 82">
+            <a:extLst>
+              <a:ext uri="{FF2B5EF4-FFF2-40B4-BE49-F238E27FC236}">
+                <a16:creationId xmlns:a16="http://schemas.microsoft.com/office/drawing/2014/main" id="{98500AE0-2EAD-4A1F-A1E4-F748AFF17ABF}"/>
+              </a:ext>
+            </a:extLst>
+          </p:cNvPr>
+          <p:cNvCxnSpPr>
+            <a:cxnSpLocks/>
+          </p:cNvCxnSpPr>
+          <p:nvPr/>
+        </p:nvCxnSpPr>
+        <p:spPr>
+          <a:xfrm>
+            <a:off x="10833114" y="4567659"/>
+            <a:ext cx="0" cy="314268"/>
+          </a:xfrm>
+          <a:prstGeom prst="straightConnector1">
+            <a:avLst/>
+          </a:prstGeom>
+          <a:ln w="38100">
+            <a:solidFill>
+              <a:schemeClr val="tx1"/>
+            </a:solidFill>
+            <a:tailEnd type="triangle"/>
+          </a:ln>
+        </p:spPr>
+        <p:style>
+          <a:lnRef idx="1">
+            <a:schemeClr val="accent1"/>
+          </a:lnRef>
+          <a:fillRef idx="0">
+            <a:schemeClr val="accent1"/>
+          </a:fillRef>
+          <a:effectRef idx="0">
+            <a:schemeClr val="accent1"/>
+          </a:effectRef>
+          <a:fontRef idx="minor">
+            <a:schemeClr val="tx1"/>
+          </a:fontRef>
+        </p:style>
+      </p:cxnSp>
+      <p:sp>
+        <p:nvSpPr>
+          <p:cNvPr id="84" name="矩形 83">
+            <a:extLst>
+              <a:ext uri="{FF2B5EF4-FFF2-40B4-BE49-F238E27FC236}">
+                <a16:creationId xmlns:a16="http://schemas.microsoft.com/office/drawing/2014/main" id="{94639537-C61A-4088-AE77-D1386AD2FED2}"/>
+              </a:ext>
+            </a:extLst>
+          </p:cNvPr>
+          <p:cNvSpPr/>
+          <p:nvPr/>
+        </p:nvSpPr>
+        <p:spPr>
+          <a:xfrm>
+            <a:off x="4038001" y="1334891"/>
+            <a:ext cx="1661885" cy="1344059"/>
+          </a:xfrm>
+          <a:prstGeom prst="rect">
+            <a:avLst/>
+          </a:prstGeom>
+          <a:solidFill>
+            <a:srgbClr val="FFC000"/>
+          </a:solidFill>
+        </p:spPr>
+        <p:style>
+          <a:lnRef idx="2">
+            <a:schemeClr val="accent1">
+              <a:shade val="50000"/>
+            </a:schemeClr>
+          </a:lnRef>
+          <a:fillRef idx="1">
+            <a:schemeClr val="accent1"/>
+          </a:fillRef>
+          <a:effectRef idx="0">
+            <a:schemeClr val="accent1"/>
+          </a:effectRef>
+          <a:fontRef idx="minor">
+            <a:schemeClr val="lt1"/>
+          </a:fontRef>
+        </p:style>
+        <p:txBody>
+          <a:bodyPr rtlCol="0" anchor="ctr"/>
+          <a:lstStyle/>
+          <a:p>
+            <a:pPr algn="ctr"/>
+            <a:endParaRPr lang="zh-CN" altLang="en-US">
+              <a:solidFill>
+                <a:schemeClr val="lt1"/>
+              </a:solidFill>
+            </a:endParaRPr>
+          </a:p>
+        </p:txBody>
+      </p:sp>
+      <p:sp>
+        <p:nvSpPr>
+          <p:cNvPr id="85" name="矩形 84">
+            <a:extLst>
+              <a:ext uri="{FF2B5EF4-FFF2-40B4-BE49-F238E27FC236}">
+                <a16:creationId xmlns:a16="http://schemas.microsoft.com/office/drawing/2014/main" id="{91E648C4-3054-4240-A46A-57D82ABFF0DA}"/>
+              </a:ext>
+            </a:extLst>
+          </p:cNvPr>
+          <p:cNvSpPr/>
+          <p:nvPr/>
+        </p:nvSpPr>
+        <p:spPr>
+          <a:xfrm>
+            <a:off x="4161837" y="1774235"/>
+            <a:ext cx="1414211" cy="807268"/>
+          </a:xfrm>
+          <a:prstGeom prst="rect">
+            <a:avLst/>
+          </a:prstGeom>
+          <a:solidFill>
+            <a:schemeClr val="accent1">
+              <a:lumMod val="60000"/>
+              <a:lumOff val="40000"/>
+            </a:schemeClr>
+          </a:solidFill>
+          <a:ln>
+            <a:solidFill>
+              <a:schemeClr val="tx1"/>
+            </a:solidFill>
+          </a:ln>
+        </p:spPr>
+        <p:style>
+          <a:lnRef idx="2">
+            <a:schemeClr val="accent1">
+              <a:shade val="50000"/>
+            </a:schemeClr>
+          </a:lnRef>
+          <a:fillRef idx="1">
+            <a:schemeClr val="accent1"/>
+          </a:fillRef>
+          <a:effectRef idx="0">
+            <a:schemeClr val="accent1"/>
+          </a:effectRef>
+          <a:fontRef idx="minor">
+            <a:schemeClr val="lt1"/>
+          </a:fontRef>
+        </p:style>
+        <p:txBody>
+          <a:bodyPr rtlCol="0" anchor="ctr"/>
+          <a:lstStyle/>
+          <a:p>
+            <a:pPr algn="ctr"/>
+            <a:r>
+              <a:rPr lang="en-US" altLang="zh-CN">
+                <a:solidFill>
+                  <a:schemeClr val="tx1"/>
+                </a:solidFill>
+              </a:rPr>
+              <a:t>0x345</a:t>
+            </a:r>
+            <a:endParaRPr lang="zh-CN" altLang="en-US">
+              <a:solidFill>
+                <a:schemeClr val="tx1"/>
+              </a:solidFill>
+            </a:endParaRPr>
+          </a:p>
+        </p:txBody>
+      </p:sp>
+      <p:sp>
+        <p:nvSpPr>
+          <p:cNvPr id="86" name="矩形 85">
+            <a:extLst>
+              <a:ext uri="{FF2B5EF4-FFF2-40B4-BE49-F238E27FC236}">
+                <a16:creationId xmlns:a16="http://schemas.microsoft.com/office/drawing/2014/main" id="{9A08248A-311E-473B-BEF6-DDE253B9765C}"/>
+              </a:ext>
+            </a:extLst>
+          </p:cNvPr>
+          <p:cNvSpPr/>
+          <p:nvPr/>
+        </p:nvSpPr>
+        <p:spPr>
+          <a:xfrm>
+            <a:off x="4157427" y="1390881"/>
+            <a:ext cx="1414210" cy="295648"/>
+          </a:xfrm>
+          <a:prstGeom prst="rect">
+            <a:avLst/>
+          </a:prstGeom>
+          <a:solidFill>
+            <a:schemeClr val="bg2">
+              <a:lumMod val="90000"/>
+            </a:schemeClr>
+          </a:solidFill>
+          <a:ln>
+            <a:solidFill>
+              <a:schemeClr val="tx1"/>
+            </a:solidFill>
+          </a:ln>
+        </p:spPr>
+        <p:style>
+          <a:lnRef idx="2">
+            <a:schemeClr val="accent1">
+              <a:shade val="50000"/>
+            </a:schemeClr>
+          </a:lnRef>
+          <a:fillRef idx="1">
+            <a:schemeClr val="accent1"/>
+          </a:fillRef>
+          <a:effectRef idx="0">
+            <a:schemeClr val="accent1"/>
+          </a:effectRef>
+          <a:fontRef idx="minor">
+            <a:schemeClr val="lt1"/>
+          </a:fontRef>
+        </p:style>
+        <p:txBody>
+          <a:bodyPr rtlCol="0" anchor="ctr"/>
+          <a:lstStyle/>
+          <a:p>
+            <a:pPr algn="ctr"/>
+            <a:r>
+              <a:rPr lang="en-US" altLang="zh-CN">
+                <a:solidFill>
+                  <a:schemeClr val="tx1"/>
+                </a:solidFill>
+              </a:rPr>
+              <a:t>0x222</a:t>
+            </a:r>
+            <a:endParaRPr lang="zh-CN" altLang="en-US">
+              <a:solidFill>
+                <a:schemeClr val="tx1"/>
+              </a:solidFill>
+            </a:endParaRPr>
+          </a:p>
+        </p:txBody>
+      </p:sp>
+      <p:sp>
+        <p:nvSpPr>
+          <p:cNvPr id="87" name="文本框 86">
+            <a:extLst>
+              <a:ext uri="{FF2B5EF4-FFF2-40B4-BE49-F238E27FC236}">
+                <a16:creationId xmlns:a16="http://schemas.microsoft.com/office/drawing/2014/main" id="{53A50657-835E-48A2-861E-01B1F52A8FB5}"/>
+              </a:ext>
+            </a:extLst>
+          </p:cNvPr>
+          <p:cNvSpPr txBox="1"/>
+          <p:nvPr/>
+        </p:nvSpPr>
+        <p:spPr>
+          <a:xfrm>
+            <a:off x="3897757" y="970187"/>
+            <a:ext cx="569387" cy="276999"/>
+          </a:xfrm>
+          <a:prstGeom prst="rect">
+            <a:avLst/>
+          </a:prstGeom>
+          <a:noFill/>
+        </p:spPr>
+        <p:txBody>
+          <a:bodyPr wrap="none" rtlCol="0">
+            <a:spAutoFit/>
+          </a:bodyPr>
+          <a:lstStyle/>
+          <a:p>
+            <a:r>
+              <a:rPr lang="en-US" altLang="zh-CN" sz="1200"/>
+              <a:t>demo</a:t>
+            </a:r>
+            <a:endParaRPr lang="zh-CN" altLang="en-US" sz="1200"/>
+          </a:p>
+        </p:txBody>
+      </p:sp>
+      <p:sp>
+        <p:nvSpPr>
+          <p:cNvPr id="88" name="矩形 87">
+            <a:extLst>
+              <a:ext uri="{FF2B5EF4-FFF2-40B4-BE49-F238E27FC236}">
+                <a16:creationId xmlns:a16="http://schemas.microsoft.com/office/drawing/2014/main" id="{10F4DBF5-8ADC-4D7E-8684-AEA1E9A3CEDC}"/>
+              </a:ext>
+            </a:extLst>
+          </p:cNvPr>
+          <p:cNvSpPr/>
+          <p:nvPr/>
+        </p:nvSpPr>
+        <p:spPr>
+          <a:xfrm>
+            <a:off x="8529657" y="1242488"/>
+            <a:ext cx="1661885" cy="1344059"/>
+          </a:xfrm>
+          <a:prstGeom prst="rect">
+            <a:avLst/>
+          </a:prstGeom>
+          <a:solidFill>
+            <a:srgbClr val="FFC000"/>
+          </a:solidFill>
+        </p:spPr>
+        <p:style>
+          <a:lnRef idx="2">
+            <a:schemeClr val="accent1">
+              <a:shade val="50000"/>
+            </a:schemeClr>
+          </a:lnRef>
+          <a:fillRef idx="1">
+            <a:schemeClr val="accent1"/>
+          </a:fillRef>
+          <a:effectRef idx="0">
+            <a:schemeClr val="accent1"/>
+          </a:effectRef>
+          <a:fontRef idx="minor">
+            <a:schemeClr val="lt1"/>
+          </a:fontRef>
+        </p:style>
+        <p:txBody>
+          <a:bodyPr rtlCol="0" anchor="ctr"/>
+          <a:lstStyle/>
+          <a:p>
+            <a:pPr algn="ctr"/>
+            <a:endParaRPr lang="zh-CN" altLang="en-US">
+              <a:solidFill>
+                <a:schemeClr val="lt1"/>
+              </a:solidFill>
+            </a:endParaRPr>
+          </a:p>
+        </p:txBody>
+      </p:sp>
+      <p:sp>
+        <p:nvSpPr>
+          <p:cNvPr id="89" name="矩形 88">
+            <a:extLst>
+              <a:ext uri="{FF2B5EF4-FFF2-40B4-BE49-F238E27FC236}">
+                <a16:creationId xmlns:a16="http://schemas.microsoft.com/office/drawing/2014/main" id="{90F5C2C6-B336-4757-A941-A0284F387F54}"/>
+              </a:ext>
+            </a:extLst>
+          </p:cNvPr>
+          <p:cNvSpPr/>
+          <p:nvPr/>
+        </p:nvSpPr>
+        <p:spPr>
+          <a:xfrm>
+            <a:off x="8653493" y="1681832"/>
+            <a:ext cx="1414211" cy="807268"/>
+          </a:xfrm>
+          <a:prstGeom prst="rect">
+            <a:avLst/>
+          </a:prstGeom>
+          <a:solidFill>
+            <a:schemeClr val="accent1">
+              <a:lumMod val="60000"/>
+              <a:lumOff val="40000"/>
+            </a:schemeClr>
+          </a:solidFill>
+          <a:ln>
+            <a:solidFill>
+              <a:schemeClr val="tx1"/>
+            </a:solidFill>
+          </a:ln>
+        </p:spPr>
+        <p:style>
+          <a:lnRef idx="2">
+            <a:schemeClr val="accent1">
+              <a:shade val="50000"/>
+            </a:schemeClr>
+          </a:lnRef>
+          <a:fillRef idx="1">
+            <a:schemeClr val="accent1"/>
+          </a:fillRef>
+          <a:effectRef idx="0">
+            <a:schemeClr val="accent1"/>
+          </a:effectRef>
+          <a:fontRef idx="minor">
+            <a:schemeClr val="lt1"/>
+          </a:fontRef>
+        </p:style>
+        <p:txBody>
+          <a:bodyPr rtlCol="0" anchor="ctr"/>
+          <a:lstStyle/>
+          <a:p>
+            <a:pPr algn="ctr"/>
+            <a:endParaRPr lang="zh-CN" altLang="en-US">
+              <a:solidFill>
+                <a:schemeClr val="tx1"/>
+              </a:solidFill>
+            </a:endParaRPr>
+          </a:p>
+        </p:txBody>
+      </p:sp>
+      <p:sp>
+        <p:nvSpPr>
+          <p:cNvPr id="90" name="矩形 89">
+            <a:extLst>
+              <a:ext uri="{FF2B5EF4-FFF2-40B4-BE49-F238E27FC236}">
+                <a16:creationId xmlns:a16="http://schemas.microsoft.com/office/drawing/2014/main" id="{15FB0F10-485C-4D35-BC34-59E2CDA34AE4}"/>
+              </a:ext>
+            </a:extLst>
+          </p:cNvPr>
+          <p:cNvSpPr/>
+          <p:nvPr/>
+        </p:nvSpPr>
+        <p:spPr>
+          <a:xfrm>
+            <a:off x="8649083" y="1298478"/>
+            <a:ext cx="1414210" cy="295648"/>
+          </a:xfrm>
+          <a:prstGeom prst="rect">
+            <a:avLst/>
+          </a:prstGeom>
+          <a:solidFill>
+            <a:schemeClr val="bg2">
+              <a:lumMod val="90000"/>
+            </a:schemeClr>
+          </a:solidFill>
+          <a:ln>
+            <a:solidFill>
+              <a:schemeClr val="tx1"/>
+            </a:solidFill>
+          </a:ln>
+        </p:spPr>
+        <p:style>
+          <a:lnRef idx="2">
+            <a:schemeClr val="accent1">
+              <a:shade val="50000"/>
+            </a:schemeClr>
+          </a:lnRef>
+          <a:fillRef idx="1">
+            <a:schemeClr val="accent1"/>
+          </a:fillRef>
+          <a:effectRef idx="0">
+            <a:schemeClr val="accent1"/>
+          </a:effectRef>
+          <a:fontRef idx="minor">
+            <a:schemeClr val="lt1"/>
+          </a:fontRef>
+        </p:style>
+        <p:txBody>
+          <a:bodyPr rtlCol="0" anchor="ctr"/>
+          <a:lstStyle/>
+          <a:p>
+            <a:pPr algn="ctr"/>
+            <a:r>
+              <a:rPr lang="en-US" altLang="zh-CN">
+                <a:solidFill>
+                  <a:schemeClr val="tx1"/>
+                </a:solidFill>
+              </a:rPr>
+              <a:t>0x222</a:t>
+            </a:r>
+            <a:endParaRPr lang="zh-CN" altLang="en-US">
+              <a:solidFill>
+                <a:schemeClr val="tx1"/>
+              </a:solidFill>
+            </a:endParaRPr>
+          </a:p>
+        </p:txBody>
+      </p:sp>
+      <p:sp>
+        <p:nvSpPr>
+          <p:cNvPr id="91" name="文本框 90">
+            <a:extLst>
+              <a:ext uri="{FF2B5EF4-FFF2-40B4-BE49-F238E27FC236}">
+                <a16:creationId xmlns:a16="http://schemas.microsoft.com/office/drawing/2014/main" id="{01BB0954-9660-4E1D-B3D9-C4188693016F}"/>
+              </a:ext>
+            </a:extLst>
+          </p:cNvPr>
+          <p:cNvSpPr txBox="1"/>
+          <p:nvPr/>
+        </p:nvSpPr>
+        <p:spPr>
+          <a:xfrm>
+            <a:off x="8495933" y="907490"/>
+            <a:ext cx="1356462" cy="276999"/>
+          </a:xfrm>
+          <a:prstGeom prst="rect">
+            <a:avLst/>
+          </a:prstGeom>
+          <a:noFill/>
+        </p:spPr>
+        <p:txBody>
+          <a:bodyPr wrap="none" rtlCol="0">
+            <a:spAutoFit/>
+          </a:bodyPr>
+          <a:lstStyle/>
+          <a:p>
+            <a:r>
+              <a:rPr lang="en-US" altLang="zh-CN" sz="1200"/>
+              <a:t>Demo</a:t>
+            </a:r>
+            <a:r>
+              <a:rPr lang="zh-CN" altLang="en-US" sz="1200"/>
+              <a:t>的实例对象</a:t>
+            </a:r>
+          </a:p>
+        </p:txBody>
+      </p:sp>
+      <p:sp>
+        <p:nvSpPr>
+          <p:cNvPr id="92" name="矩形 91">
+            <a:extLst>
+              <a:ext uri="{FF2B5EF4-FFF2-40B4-BE49-F238E27FC236}">
+                <a16:creationId xmlns:a16="http://schemas.microsoft.com/office/drawing/2014/main" id="{949B9E6E-6971-4C35-BEBE-9B4B8B7943B4}"/>
+              </a:ext>
+            </a:extLst>
+          </p:cNvPr>
+          <p:cNvSpPr/>
+          <p:nvPr/>
+        </p:nvSpPr>
+        <p:spPr>
+          <a:xfrm>
+            <a:off x="8765519" y="1730595"/>
+            <a:ext cx="1199328" cy="242697"/>
+          </a:xfrm>
+          <a:prstGeom prst="rect">
+            <a:avLst/>
+          </a:prstGeom>
+          <a:solidFill>
+            <a:schemeClr val="accent1">
+              <a:lumMod val="60000"/>
+              <a:lumOff val="40000"/>
+            </a:schemeClr>
+          </a:solidFill>
+          <a:ln>
+            <a:solidFill>
+              <a:schemeClr val="tx1"/>
+            </a:solidFill>
+          </a:ln>
+        </p:spPr>
+        <p:style>
+          <a:lnRef idx="2">
+            <a:schemeClr val="accent1">
+              <a:shade val="50000"/>
+            </a:schemeClr>
+          </a:lnRef>
+          <a:fillRef idx="1">
+            <a:schemeClr val="accent1"/>
+          </a:fillRef>
+          <a:effectRef idx="0">
+            <a:schemeClr val="accent1"/>
+          </a:effectRef>
+          <a:fontRef idx="minor">
+            <a:schemeClr val="lt1"/>
+          </a:fontRef>
+        </p:style>
+        <p:txBody>
+          <a:bodyPr rtlCol="0" anchor="ctr"/>
+          <a:lstStyle/>
+          <a:p>
+            <a:pPr algn="ctr"/>
+            <a:r>
+              <a:rPr lang="en-US" altLang="zh-CN" sz="1050" b="1">
+                <a:solidFill>
+                  <a:schemeClr val="tx1"/>
+                </a:solidFill>
+              </a:rPr>
+              <a:t>test1</a:t>
+            </a:r>
+            <a:r>
+              <a:rPr lang="zh-CN" altLang="en-US" sz="1050" b="1">
+                <a:solidFill>
+                  <a:schemeClr val="tx1"/>
+                </a:solidFill>
+              </a:rPr>
+              <a:t>：</a:t>
+            </a:r>
+            <a:r>
+              <a:rPr lang="en-US" altLang="zh-CN" sz="1050" b="1">
+                <a:solidFill>
+                  <a:schemeClr val="tx1"/>
+                </a:solidFill>
+              </a:rPr>
+              <a:t>function</a:t>
+            </a:r>
+            <a:endParaRPr lang="zh-CN" altLang="en-US" sz="1050" b="1">
+              <a:solidFill>
+                <a:schemeClr val="tx1"/>
+              </a:solidFill>
+            </a:endParaRPr>
+          </a:p>
+        </p:txBody>
+      </p:sp>
+      <p:sp>
+        <p:nvSpPr>
+          <p:cNvPr id="93" name="矩形 92">
+            <a:extLst>
+              <a:ext uri="{FF2B5EF4-FFF2-40B4-BE49-F238E27FC236}">
+                <a16:creationId xmlns:a16="http://schemas.microsoft.com/office/drawing/2014/main" id="{63F95413-B19D-4941-ADB6-4A7CAFDA8415}"/>
+              </a:ext>
+            </a:extLst>
+          </p:cNvPr>
+          <p:cNvSpPr/>
+          <p:nvPr/>
+        </p:nvSpPr>
+        <p:spPr>
+          <a:xfrm>
+            <a:off x="8775757" y="2088632"/>
+            <a:ext cx="1199328" cy="242697"/>
+          </a:xfrm>
+          <a:prstGeom prst="rect">
+            <a:avLst/>
+          </a:prstGeom>
+          <a:solidFill>
+            <a:schemeClr val="accent1">
+              <a:lumMod val="60000"/>
+              <a:lumOff val="40000"/>
+            </a:schemeClr>
+          </a:solidFill>
+          <a:ln>
+            <a:solidFill>
+              <a:schemeClr val="tx1"/>
+            </a:solidFill>
+          </a:ln>
+        </p:spPr>
+        <p:style>
+          <a:lnRef idx="2">
+            <a:schemeClr val="accent1">
+              <a:shade val="50000"/>
+            </a:schemeClr>
+          </a:lnRef>
+          <a:fillRef idx="1">
+            <a:schemeClr val="accent1"/>
+          </a:fillRef>
+          <a:effectRef idx="0">
+            <a:schemeClr val="accent1"/>
+          </a:effectRef>
+          <a:fontRef idx="minor">
+            <a:schemeClr val="lt1"/>
+          </a:fontRef>
+        </p:style>
+        <p:txBody>
+          <a:bodyPr rtlCol="0" anchor="ctr"/>
+          <a:lstStyle/>
+          <a:p>
+            <a:pPr algn="ctr"/>
+            <a:r>
+              <a:rPr lang="en-US" altLang="zh-CN" sz="1050" b="1">
+                <a:solidFill>
+                  <a:schemeClr val="tx1"/>
+                </a:solidFill>
+              </a:rPr>
+              <a:t>__proto__:0x456</a:t>
+            </a:r>
+            <a:endParaRPr lang="zh-CN" altLang="en-US" sz="1050" b="1">
+              <a:solidFill>
+                <a:schemeClr val="tx1"/>
+              </a:solidFill>
+            </a:endParaRPr>
+          </a:p>
+        </p:txBody>
+      </p:sp>
+      <p:cxnSp>
+        <p:nvCxnSpPr>
+          <p:cNvPr id="94" name="直接箭头连接符 93">
+            <a:extLst>
+              <a:ext uri="{FF2B5EF4-FFF2-40B4-BE49-F238E27FC236}">
+                <a16:creationId xmlns:a16="http://schemas.microsoft.com/office/drawing/2014/main" id="{F26E7D50-1B28-496E-9BF1-DEA3D769B9CA}"/>
+              </a:ext>
+            </a:extLst>
+          </p:cNvPr>
+          <p:cNvCxnSpPr>
+            <a:cxnSpLocks/>
+          </p:cNvCxnSpPr>
+          <p:nvPr/>
+        </p:nvCxnSpPr>
+        <p:spPr>
+          <a:xfrm>
+            <a:off x="5805259" y="2006919"/>
+            <a:ext cx="2690674" cy="0"/>
+          </a:xfrm>
+          <a:prstGeom prst="straightConnector1">
+            <a:avLst/>
+          </a:prstGeom>
+          <a:ln w="38100">
+            <a:solidFill>
+              <a:schemeClr val="tx1"/>
+            </a:solidFill>
+            <a:tailEnd type="triangle"/>
+          </a:ln>
+        </p:spPr>
+        <p:style>
+          <a:lnRef idx="1">
+            <a:schemeClr val="accent1"/>
+          </a:lnRef>
+          <a:fillRef idx="0">
+            <a:schemeClr val="accent1"/>
+          </a:fillRef>
+          <a:effectRef idx="0">
+            <a:schemeClr val="accent1"/>
+          </a:effectRef>
+          <a:fontRef idx="minor">
+            <a:schemeClr val="tx1"/>
+          </a:fontRef>
+        </p:style>
+      </p:cxnSp>
+      <p:cxnSp>
+        <p:nvCxnSpPr>
+          <p:cNvPr id="95" name="直接箭头连接符 94">
+            <a:extLst>
+              <a:ext uri="{FF2B5EF4-FFF2-40B4-BE49-F238E27FC236}">
+                <a16:creationId xmlns:a16="http://schemas.microsoft.com/office/drawing/2014/main" id="{499FD8F4-5C51-45FD-8A39-7C867695F3D5}"/>
+              </a:ext>
+            </a:extLst>
+          </p:cNvPr>
+          <p:cNvCxnSpPr>
+            <a:cxnSpLocks/>
+            <a:endCxn id="78" idx="0"/>
+          </p:cNvCxnSpPr>
+          <p:nvPr/>
+        </p:nvCxnSpPr>
+        <p:spPr>
+          <a:xfrm>
+            <a:off x="10191542" y="1851943"/>
+            <a:ext cx="482508" cy="1039694"/>
+          </a:xfrm>
+          <a:prstGeom prst="straightConnector1">
+            <a:avLst/>
+          </a:prstGeom>
+          <a:ln w="38100">
+            <a:solidFill>
+              <a:schemeClr val="tx1"/>
+            </a:solidFill>
+            <a:tailEnd type="triangle"/>
+          </a:ln>
+        </p:spPr>
+        <p:style>
+          <a:lnRef idx="1">
+            <a:schemeClr val="accent1"/>
+          </a:lnRef>
+          <a:fillRef idx="0">
+            <a:schemeClr val="accent1"/>
+          </a:fillRef>
+          <a:effectRef idx="0">
+            <a:schemeClr val="accent1"/>
+          </a:effectRef>
+          <a:fontRef idx="minor">
+            <a:schemeClr val="tx1"/>
+          </a:fontRef>
+        </p:style>
+      </p:cxnSp>
+      <p:sp>
+        <p:nvSpPr>
+          <p:cNvPr id="96" name="矩形 95">
+            <a:extLst>
+              <a:ext uri="{FF2B5EF4-FFF2-40B4-BE49-F238E27FC236}">
+                <a16:creationId xmlns:a16="http://schemas.microsoft.com/office/drawing/2014/main" id="{6F267D1A-0107-4235-B24E-0519F3221BC0}"/>
+              </a:ext>
+            </a:extLst>
+          </p:cNvPr>
+          <p:cNvSpPr/>
+          <p:nvPr/>
+        </p:nvSpPr>
+        <p:spPr>
+          <a:xfrm>
+            <a:off x="10269453" y="4186165"/>
+            <a:ext cx="1079426" cy="253883"/>
+          </a:xfrm>
+          <a:prstGeom prst="rect">
+            <a:avLst/>
+          </a:prstGeom>
+          <a:solidFill>
+            <a:schemeClr val="accent1">
+              <a:lumMod val="60000"/>
+              <a:lumOff val="40000"/>
+            </a:schemeClr>
+          </a:solidFill>
+          <a:ln>
+            <a:solidFill>
+              <a:schemeClr val="tx1"/>
+            </a:solidFill>
+          </a:ln>
+        </p:spPr>
+        <p:style>
+          <a:lnRef idx="2">
+            <a:schemeClr val="accent1">
+              <a:shade val="50000"/>
+            </a:schemeClr>
+          </a:lnRef>
+          <a:fillRef idx="1">
+            <a:schemeClr val="accent1"/>
+          </a:fillRef>
+          <a:effectRef idx="0">
+            <a:schemeClr val="accent1"/>
+          </a:effectRef>
+          <a:fontRef idx="minor">
+            <a:schemeClr val="lt1"/>
+          </a:fontRef>
+        </p:style>
+        <p:txBody>
+          <a:bodyPr rtlCol="0" anchor="ctr"/>
+          <a:lstStyle/>
+          <a:p>
+            <a:pPr algn="ctr"/>
+            <a:r>
+              <a:rPr lang="en-US" altLang="zh-CN" sz="800" b="1">
+                <a:solidFill>
+                  <a:schemeClr val="tx1"/>
+                </a:solidFill>
+              </a:rPr>
+              <a:t>constructor:0x345</a:t>
+            </a:r>
+            <a:endParaRPr lang="zh-CN" altLang="en-US" sz="800" b="1">
+              <a:solidFill>
+                <a:schemeClr val="tx1"/>
+              </a:solidFill>
+            </a:endParaRPr>
+          </a:p>
+        </p:txBody>
+      </p:sp>
+      <p:cxnSp>
+        <p:nvCxnSpPr>
+          <p:cNvPr id="97" name="直接箭头连接符 96">
+            <a:extLst>
+              <a:ext uri="{FF2B5EF4-FFF2-40B4-BE49-F238E27FC236}">
+                <a16:creationId xmlns:a16="http://schemas.microsoft.com/office/drawing/2014/main" id="{A25C6554-C5E3-45ED-A36B-539D9B7C2A93}"/>
+              </a:ext>
+            </a:extLst>
+          </p:cNvPr>
+          <p:cNvCxnSpPr>
+            <a:cxnSpLocks/>
+          </p:cNvCxnSpPr>
+          <p:nvPr/>
+        </p:nvCxnSpPr>
+        <p:spPr>
+          <a:xfrm flipH="1">
+            <a:off x="8912072" y="4186165"/>
+            <a:ext cx="990732" cy="0"/>
+          </a:xfrm>
+          <a:prstGeom prst="straightConnector1">
+            <a:avLst/>
+          </a:prstGeom>
+          <a:ln w="38100">
+            <a:solidFill>
+              <a:schemeClr val="tx1"/>
+            </a:solidFill>
+            <a:tailEnd type="triangle"/>
+          </a:ln>
+        </p:spPr>
+        <p:style>
+          <a:lnRef idx="1">
+            <a:schemeClr val="accent1"/>
+          </a:lnRef>
+          <a:fillRef idx="0">
+            <a:schemeClr val="accent1"/>
+          </a:fillRef>
+          <a:effectRef idx="0">
+            <a:schemeClr val="accent1"/>
+          </a:effectRef>
+          <a:fontRef idx="minor">
+            <a:schemeClr val="tx1"/>
+          </a:fontRef>
+        </p:style>
+      </p:cxnSp>
+    </p:spTree>
+    <p:extLst>
+      <p:ext uri="{BB962C8B-B14F-4D97-AF65-F5344CB8AC3E}">
+        <p14:creationId xmlns:p14="http://schemas.microsoft.com/office/powerpoint/2010/main" val="3169008850"/>
       </p:ext>
     </p:extLst>
   </p:cSld>
